--- a/BME vegyészmérnök hallgatók különböző felmérési eredményeinek vizsgálata,.pptx
+++ b/BME vegyészmérnök hallgatók különböző felmérési eredményeinek vizsgálata,.pptx
@@ -19,6 +19,21 @@
     <p:sldId id="267" r:id="rId16"/>
     <p:sldId id="268" r:id="rId17"/>
     <p:sldId id="269" r:id="rId18"/>
+    <p:sldId id="271" r:id="rId19"/>
+    <p:sldId id="272" r:id="rId20"/>
+    <p:sldId id="273" r:id="rId21"/>
+    <p:sldId id="274" r:id="rId22"/>
+    <p:sldId id="275" r:id="rId23"/>
+    <p:sldId id="276" r:id="rId24"/>
+    <p:sldId id="277" r:id="rId25"/>
+    <p:sldId id="278" r:id="rId26"/>
+    <p:sldId id="279" r:id="rId27"/>
+    <p:sldId id="280" r:id="rId28"/>
+    <p:sldId id="281" r:id="rId29"/>
+    <p:sldId id="282" r:id="rId30"/>
+    <p:sldId id="283" r:id="rId31"/>
+    <p:sldId id="284" r:id="rId32"/>
+    <p:sldId id="285" r:id="rId33"/>
   </p:sldIdLst>
   <p:sldSz cx="12192000" cy="6858000"/>
   <p:notesSz cx="6858000" cy="9144000"/>
@@ -117,6 +132,11 @@
       </a:defRPr>
     </a:lvl9pPr>
   </p:defaultTextStyle>
+  <p:extLst>
+    <p:ext uri="{EFAFB233-063F-42B5-8137-9DF3F51BA10A}">
+      <p15:sldGuideLst xmlns:p15="http://schemas.microsoft.com/office/powerpoint/2012/main"/>
+    </p:ext>
+  </p:extLst>
 </p:presentation>
 </file>
 
@@ -15912,7 +15932,7 @@
                 <a:latin typeface="Calibri" panose="020F0502020204030204" pitchFamily="34" charset="0"/>
                 <a:cs typeface="Calibri" panose="020F0502020204030204" pitchFamily="34" charset="0"/>
               </a:rPr>
-              <a:t>BME vegyészmérnök hallgatók különböző felmérési eredményeinek vizsgálata, és esetleges lemorzsolódás </a:t>
+              <a:t>BME VBK hallgatók különböző felmérési eredményeinek vizsgálata, és esetleges lemorzsolódás </a:t>
             </a:r>
             <a:r>
               <a:rPr lang="hu-HU" sz="3600" b="1" i="0" dirty="0" err="1">
@@ -16461,12 +16481,20 @@
             <p:ph type="title"/>
           </p:nvPr>
         </p:nvSpPr>
-        <p:spPr/>
+        <p:spPr>
+          <a:xfrm>
+            <a:off x="691079" y="0"/>
+            <a:ext cx="10325000" cy="1442463"/>
+          </a:xfrm>
+        </p:spPr>
         <p:txBody>
           <a:bodyPr/>
           <a:lstStyle/>
           <a:p>
-            <a:endParaRPr lang="hu-HU"/>
+            <a:r>
+              <a:rPr lang="hu-HU" dirty="0"/>
+              <a:t>Modellezés</a:t>
+            </a:r>
           </a:p>
         </p:txBody>
       </p:sp>
@@ -16486,12 +16514,157 @@
             <p:ph idx="1"/>
           </p:nvPr>
         </p:nvSpPr>
-        <p:spPr/>
+        <p:spPr>
+          <a:xfrm>
+            <a:off x="691079" y="1710957"/>
+            <a:ext cx="10325000" cy="4748566"/>
+          </a:xfrm>
+        </p:spPr>
         <p:txBody>
-          <a:bodyPr/>
+          <a:bodyPr>
+            <a:normAutofit/>
+          </a:bodyPr>
           <a:lstStyle/>
           <a:p>
-            <a:endParaRPr lang="hu-HU"/>
+            <a:pPr>
+              <a:buFont typeface="Arial" panose="020B0604020202020204" pitchFamily="34" charset="0"/>
+              <a:buChar char="•"/>
+            </a:pPr>
+            <a:r>
+              <a:rPr lang="hu-HU" sz="2800" dirty="0"/>
+              <a:t>Előtte még egy kis adattisztítás: Redundáns oszlopok eltávolítása (</a:t>
+            </a:r>
+            <a:r>
+              <a:rPr lang="hu-HU" sz="2800" dirty="0" err="1"/>
+              <a:t>Összpontszám</a:t>
+            </a:r>
+            <a:r>
+              <a:rPr lang="hu-HU" sz="2800" dirty="0"/>
+              <a:t>, Összeredmény stb.)</a:t>
+            </a:r>
+          </a:p>
+          <a:p>
+            <a:pPr>
+              <a:buFont typeface="Arial" panose="020B0604020202020204" pitchFamily="34" charset="0"/>
+              <a:buChar char="•"/>
+            </a:pPr>
+            <a:r>
+              <a:rPr lang="hu-HU" sz="2800" dirty="0"/>
+              <a:t>12 attribútum, 231 rekord</a:t>
+            </a:r>
+          </a:p>
+          <a:p>
+            <a:pPr>
+              <a:buFont typeface="Arial" panose="020B0604020202020204" pitchFamily="34" charset="0"/>
+              <a:buChar char="•"/>
+            </a:pPr>
+            <a:r>
+              <a:rPr lang="hu-HU" sz="2800" dirty="0"/>
+              <a:t>Két adatmodell: együttes és </a:t>
+            </a:r>
+            <a:r>
+              <a:rPr lang="hu-HU" sz="2800" dirty="0" err="1"/>
+              <a:t>szakonkénti</a:t>
+            </a:r>
+            <a:r>
+              <a:rPr lang="hu-HU" sz="2800" dirty="0"/>
+              <a:t> bontásban</a:t>
+            </a:r>
+          </a:p>
+          <a:p>
+            <a:pPr>
+              <a:buFont typeface="Arial" panose="020B0604020202020204" pitchFamily="34" charset="0"/>
+              <a:buChar char="•"/>
+            </a:pPr>
+            <a:r>
+              <a:rPr lang="hu-HU" sz="2800" dirty="0"/>
+              <a:t>Kiegyensúlyozatlan osztályeloszlás       SMOTE</a:t>
+            </a:r>
+          </a:p>
+          <a:p>
+            <a:pPr>
+              <a:buFont typeface="Arial" panose="020B0604020202020204" pitchFamily="34" charset="0"/>
+              <a:buChar char="•"/>
+            </a:pPr>
+            <a:r>
+              <a:rPr lang="hu-HU" sz="2800" dirty="0"/>
+              <a:t>6 alapalgoritmus</a:t>
+            </a:r>
+          </a:p>
+          <a:p>
+            <a:pPr>
+              <a:buFont typeface="Arial" panose="020B0604020202020204" pitchFamily="34" charset="0"/>
+              <a:buChar char="•"/>
+            </a:pPr>
+            <a:r>
+              <a:rPr lang="hu-HU" sz="2800" dirty="0"/>
+              <a:t>Később PCA-</a:t>
+            </a:r>
+            <a:r>
+              <a:rPr lang="hu-HU" sz="2800" dirty="0" err="1"/>
+              <a:t>val</a:t>
+            </a:r>
+            <a:r>
+              <a:rPr lang="hu-HU" sz="2800" dirty="0"/>
+              <a:t> dimenziócsökkentés</a:t>
+            </a:r>
+          </a:p>
+          <a:p>
+            <a:pPr>
+              <a:buFont typeface="Arial" panose="020B0604020202020204" pitchFamily="34" charset="0"/>
+              <a:buChar char="•"/>
+            </a:pPr>
+            <a:endParaRPr lang="hu-HU" sz="2800" dirty="0"/>
+          </a:p>
+        </p:txBody>
+      </p:sp>
+      <p:sp>
+        <p:nvSpPr>
+          <p:cNvPr id="4" name="Nyíl: sávnyíl 7">
+            <a:extLst>
+              <a:ext uri="{FF2B5EF4-FFF2-40B4-BE49-F238E27FC236}">
+                <a16:creationId xmlns:a16="http://schemas.microsoft.com/office/drawing/2014/main" id="{431BA9E0-1ECA-49CD-BC96-758322B6D297}"/>
+              </a:ext>
+            </a:extLst>
+          </p:cNvPr>
+          <p:cNvSpPr/>
+          <p:nvPr/>
+        </p:nvSpPr>
+        <p:spPr>
+          <a:xfrm>
+            <a:off x="6838425" y="4085240"/>
+            <a:ext cx="401274" cy="304184"/>
+          </a:xfrm>
+          <a:prstGeom prst="chevron">
+            <a:avLst/>
+          </a:prstGeom>
+        </p:spPr>
+        <p:style>
+          <a:lnRef idx="2">
+            <a:schemeClr val="accent1">
+              <a:shade val="50000"/>
+            </a:schemeClr>
+          </a:lnRef>
+          <a:fillRef idx="1">
+            <a:schemeClr val="accent1"/>
+          </a:fillRef>
+          <a:effectRef idx="0">
+            <a:schemeClr val="accent1"/>
+          </a:effectRef>
+          <a:fontRef idx="minor">
+            <a:schemeClr val="lt1"/>
+          </a:fontRef>
+        </p:style>
+        <p:txBody>
+          <a:bodyPr rtlCol="0" anchor="ctr"/>
+          <a:lstStyle/>
+          <a:p>
+            <a:pPr algn="ctr"/>
+            <a:endParaRPr lang="hu-HU" dirty="0">
+              <a:solidFill>
+                <a:schemeClr val="tx1"/>
+              </a:solidFill>
+            </a:endParaRPr>
           </a:p>
         </p:txBody>
       </p:sp>
@@ -16499,6 +16672,1277 @@
     <p:extLst>
       <p:ext uri="{BB962C8B-B14F-4D97-AF65-F5344CB8AC3E}">
         <p14:creationId xmlns:p14="http://schemas.microsoft.com/office/powerpoint/2010/main" val="81079685"/>
+      </p:ext>
+    </p:extLst>
+  </p:cSld>
+  <p:clrMapOvr>
+    <a:masterClrMapping/>
+  </p:clrMapOvr>
+</p:sld>
+</file>
+
+<file path=ppt/slides/slide15.xml><?xml version="1.0" encoding="utf-8"?>
+<p:sld xmlns:a="http://schemas.openxmlformats.org/drawingml/2006/main" xmlns:r="http://schemas.openxmlformats.org/officeDocument/2006/relationships" xmlns:p="http://schemas.openxmlformats.org/presentationml/2006/main">
+  <p:cSld>
+    <p:spTree>
+      <p:nvGrpSpPr>
+        <p:cNvPr id="1" name=""/>
+        <p:cNvGrpSpPr/>
+        <p:nvPr/>
+      </p:nvGrpSpPr>
+      <p:grpSpPr>
+        <a:xfrm>
+          <a:off x="0" y="0"/>
+          <a:ext cx="0" cy="0"/>
+          <a:chOff x="0" y="0"/>
+          <a:chExt cx="0" cy="0"/>
+        </a:xfrm>
+      </p:grpSpPr>
+      <p:sp>
+        <p:nvSpPr>
+          <p:cNvPr id="2" name="Title 1">
+            <a:extLst>
+              <a:ext uri="{FF2B5EF4-FFF2-40B4-BE49-F238E27FC236}">
+                <a16:creationId xmlns:a16="http://schemas.microsoft.com/office/drawing/2014/main" id="{7A527CEA-09D6-4ABB-AA90-D18D1EE1FE10}"/>
+              </a:ext>
+            </a:extLst>
+          </p:cNvPr>
+          <p:cNvSpPr>
+            <a:spLocks noGrp="1"/>
+          </p:cNvSpPr>
+          <p:nvPr>
+            <p:ph type="title"/>
+          </p:nvPr>
+        </p:nvSpPr>
+        <p:spPr>
+          <a:xfrm>
+            <a:off x="691079" y="0"/>
+            <a:ext cx="10325000" cy="1442463"/>
+          </a:xfrm>
+        </p:spPr>
+        <p:txBody>
+          <a:bodyPr/>
+          <a:lstStyle/>
+          <a:p>
+            <a:r>
+              <a:rPr lang="hu-HU" dirty="0"/>
+              <a:t>Algoritmusok</a:t>
+            </a:r>
+            <a:endParaRPr lang="en-US" dirty="0"/>
+          </a:p>
+        </p:txBody>
+      </p:sp>
+      <mc:AlternateContent xmlns:mc="http://schemas.openxmlformats.org/markup-compatibility/2006">
+        <mc:Choice xmlns:a14="http://schemas.microsoft.com/office/drawing/2010/main" Requires="a14">
+          <p:sp>
+            <p:nvSpPr>
+              <p:cNvPr id="3" name="Content Placeholder 2">
+                <a:extLst>
+                  <a:ext uri="{FF2B5EF4-FFF2-40B4-BE49-F238E27FC236}">
+                    <a16:creationId xmlns:a16="http://schemas.microsoft.com/office/drawing/2014/main" id="{FA3D0927-1D31-4CBC-941B-9FC3DD4AB3A4}"/>
+                  </a:ext>
+                </a:extLst>
+              </p:cNvPr>
+              <p:cNvSpPr>
+                <a:spLocks noGrp="1"/>
+              </p:cNvSpPr>
+              <p:nvPr>
+                <p:ph idx="1"/>
+              </p:nvPr>
+            </p:nvSpPr>
+            <p:spPr>
+              <a:xfrm>
+                <a:off x="691079" y="1794847"/>
+                <a:ext cx="10325000" cy="4631120"/>
+              </a:xfrm>
+            </p:spPr>
+            <p:txBody>
+              <a:bodyPr>
+                <a:normAutofit/>
+              </a:bodyPr>
+              <a:lstStyle/>
+              <a:p>
+                <a:pPr>
+                  <a:buFont typeface="Arial" panose="020B0604020202020204" pitchFamily="34" charset="0"/>
+                  <a:buChar char="•"/>
+                </a:pPr>
+                <a:r>
+                  <a:rPr lang="hu-HU" sz="2800" dirty="0"/>
+                  <a:t>kNN </a:t>
+                </a:r>
+                <a:r>
+                  <a:rPr lang="hu-HU" sz="2800" dirty="0" err="1"/>
+                  <a:t>Mahalanobis</a:t>
+                </a:r>
+                <a:r>
+                  <a:rPr lang="hu-HU" sz="2800" dirty="0"/>
+                  <a:t> távolsággal </a:t>
+                </a:r>
+              </a:p>
+              <a:p>
+                <a:pPr>
+                  <a:buFont typeface="Arial" panose="020B0604020202020204" pitchFamily="34" charset="0"/>
+                  <a:buChar char="•"/>
+                </a:pPr>
+                <a:r>
+                  <a:rPr lang="hu-HU" sz="2800" dirty="0" err="1"/>
+                  <a:t>kNN</a:t>
+                </a:r>
+                <a:r>
+                  <a:rPr lang="hu-HU" sz="2800" dirty="0"/>
+                  <a:t> Euklideszi távolsággal</a:t>
+                </a:r>
+              </a:p>
+              <a:p>
+                <a:pPr>
+                  <a:buFont typeface="Arial" panose="020B0604020202020204" pitchFamily="34" charset="0"/>
+                  <a:buChar char="•"/>
+                </a:pPr>
+                <a:r>
+                  <a:rPr lang="hu-HU" sz="2800" dirty="0" err="1"/>
+                  <a:t>Naive</a:t>
+                </a:r>
+                <a:r>
+                  <a:rPr lang="hu-HU" sz="2800" dirty="0"/>
+                  <a:t> </a:t>
+                </a:r>
+                <a:r>
+                  <a:rPr lang="hu-HU" sz="2800" dirty="0" err="1"/>
+                  <a:t>Bayes</a:t>
+                </a:r>
+                <a:endParaRPr lang="hu-HU" sz="2800" dirty="0"/>
+              </a:p>
+              <a:p>
+                <a:pPr>
+                  <a:buFont typeface="Arial" panose="020B0604020202020204" pitchFamily="34" charset="0"/>
+                  <a:buChar char="•"/>
+                </a:pPr>
+                <a:r>
+                  <a:rPr lang="hu-HU" sz="2800" dirty="0"/>
+                  <a:t>SVM és Logisztikus regresszió (</a:t>
+                </a:r>
+                <a:r>
+                  <a:rPr lang="hu-HU" sz="2800" i="1" dirty="0" err="1"/>
+                  <a:t>One</a:t>
+                </a:r>
+                <a:r>
+                  <a:rPr lang="hu-HU" sz="2800" i="1" dirty="0"/>
+                  <a:t> VS Rest</a:t>
+                </a:r>
+                <a:r>
+                  <a:rPr lang="hu-HU" sz="2800" dirty="0"/>
+                  <a:t>)</a:t>
+                </a:r>
+              </a:p>
+              <a:p>
+                <a:pPr>
+                  <a:buFont typeface="Arial" panose="020B0604020202020204" pitchFamily="34" charset="0"/>
+                  <a:buChar char="•"/>
+                </a:pPr>
+                <a:r>
+                  <a:rPr lang="hu-HU" sz="2800" dirty="0"/>
+                  <a:t>Lineáris regresszió + kapott érték kerekítése</a:t>
+                </a:r>
+              </a:p>
+              <a:p>
+                <a:pPr>
+                  <a:buFont typeface="Arial" panose="020B0604020202020204" pitchFamily="34" charset="0"/>
+                  <a:buChar char="•"/>
+                </a:pPr>
+                <a:r>
+                  <a:rPr lang="hu-HU" sz="2800" dirty="0"/>
+                  <a:t>Teljesítmény mérése: pontosság alapján (lineáris regressziónál még </a:t>
+                </a:r>
+                <a14:m>
+                  <m:oMath xmlns:m="http://schemas.openxmlformats.org/officeDocument/2006/math">
+                    <m:sSup>
+                      <m:sSupPr>
+                        <m:ctrlPr>
+                          <a:rPr lang="hu-HU" sz="2800" b="0" i="1" smtClean="0">
+                            <a:latin typeface="Cambria Math" panose="02040503050406030204" pitchFamily="18" charset="0"/>
+                          </a:rPr>
+                        </m:ctrlPr>
+                      </m:sSupPr>
+                      <m:e>
+                        <m:r>
+                          <a:rPr lang="hu-HU" sz="2800" b="0" i="1" smtClean="0">
+                            <a:latin typeface="Cambria Math" panose="02040503050406030204" pitchFamily="18" charset="0"/>
+                          </a:rPr>
+                          <m:t>𝑅</m:t>
+                        </m:r>
+                      </m:e>
+                      <m:sup>
+                        <m:r>
+                          <a:rPr lang="hu-HU" sz="2800" b="0" i="1" smtClean="0">
+                            <a:latin typeface="Cambria Math" panose="02040503050406030204" pitchFamily="18" charset="0"/>
+                          </a:rPr>
+                          <m:t>2</m:t>
+                        </m:r>
+                      </m:sup>
+                    </m:sSup>
+                  </m:oMath>
+                </a14:m>
+                <a:r>
+                  <a:rPr lang="hu-HU" sz="2800" dirty="0"/>
+                  <a:t> és </a:t>
+                </a:r>
+                <a:r>
+                  <a:rPr lang="hu-HU" sz="2800" i="1" dirty="0"/>
+                  <a:t>RMSE</a:t>
+                </a:r>
+                <a:r>
+                  <a:rPr lang="hu-HU" sz="2800" dirty="0"/>
+                  <a:t> )</a:t>
+                </a:r>
+                <a:br>
+                  <a:rPr lang="hu-HU" sz="2800" dirty="0"/>
+                </a:br>
+                <a:endParaRPr lang="en-US" sz="2800" dirty="0"/>
+              </a:p>
+            </p:txBody>
+          </p:sp>
+        </mc:Choice>
+        <mc:Fallback>
+          <p:sp>
+            <p:nvSpPr>
+              <p:cNvPr id="3" name="Content Placeholder 2">
+                <a:extLst>
+                  <a:ext uri="{FF2B5EF4-FFF2-40B4-BE49-F238E27FC236}">
+                    <a16:creationId xmlns:a16="http://schemas.microsoft.com/office/drawing/2014/main" id="{FA3D0927-1D31-4CBC-941B-9FC3DD4AB3A4}"/>
+                  </a:ext>
+                </a:extLst>
+              </p:cNvPr>
+              <p:cNvSpPr>
+                <a:spLocks noGrp="1" noRot="1" noChangeAspect="1" noMove="1" noResize="1" noEditPoints="1" noAdjustHandles="1" noChangeArrowheads="1" noChangeShapeType="1" noTextEdit="1"/>
+              </p:cNvSpPr>
+              <p:nvPr>
+                <p:ph idx="1"/>
+              </p:nvPr>
+            </p:nvSpPr>
+            <p:spPr>
+              <a:xfrm>
+                <a:off x="691079" y="1794847"/>
+                <a:ext cx="10325000" cy="4631120"/>
+              </a:xfrm>
+              <a:blipFill>
+                <a:blip r:embed="rId2"/>
+                <a:stretch>
+                  <a:fillRect l="-590" t="-1316"/>
+                </a:stretch>
+              </a:blipFill>
+            </p:spPr>
+            <p:txBody>
+              <a:bodyPr/>
+              <a:lstStyle/>
+              <a:p>
+                <a:r>
+                  <a:rPr lang="en-US">
+                    <a:noFill/>
+                  </a:rPr>
+                  <a:t> </a:t>
+                </a:r>
+              </a:p>
+            </p:txBody>
+          </p:sp>
+        </mc:Fallback>
+      </mc:AlternateContent>
+    </p:spTree>
+    <p:extLst>
+      <p:ext uri="{BB962C8B-B14F-4D97-AF65-F5344CB8AC3E}">
+        <p14:creationId xmlns:p14="http://schemas.microsoft.com/office/powerpoint/2010/main" val="218459680"/>
+      </p:ext>
+    </p:extLst>
+  </p:cSld>
+  <p:clrMapOvr>
+    <a:masterClrMapping/>
+  </p:clrMapOvr>
+</p:sld>
+</file>
+
+<file path=ppt/slides/slide16.xml><?xml version="1.0" encoding="utf-8"?>
+<p:sld xmlns:a="http://schemas.openxmlformats.org/drawingml/2006/main" xmlns:r="http://schemas.openxmlformats.org/officeDocument/2006/relationships" xmlns:p="http://schemas.openxmlformats.org/presentationml/2006/main">
+  <p:cSld>
+    <p:spTree>
+      <p:nvGrpSpPr>
+        <p:cNvPr id="1" name=""/>
+        <p:cNvGrpSpPr/>
+        <p:nvPr/>
+      </p:nvGrpSpPr>
+      <p:grpSpPr>
+        <a:xfrm>
+          <a:off x="0" y="0"/>
+          <a:ext cx="0" cy="0"/>
+          <a:chOff x="0" y="0"/>
+          <a:chExt cx="0" cy="0"/>
+        </a:xfrm>
+      </p:grpSpPr>
+      <p:sp>
+        <p:nvSpPr>
+          <p:cNvPr id="2" name="Title 1">
+            <a:extLst>
+              <a:ext uri="{FF2B5EF4-FFF2-40B4-BE49-F238E27FC236}">
+                <a16:creationId xmlns:a16="http://schemas.microsoft.com/office/drawing/2014/main" id="{9B17A2F8-2934-43CA-BEB7-92C9580CC77E}"/>
+              </a:ext>
+            </a:extLst>
+          </p:cNvPr>
+          <p:cNvSpPr>
+            <a:spLocks noGrp="1"/>
+          </p:cNvSpPr>
+          <p:nvPr>
+            <p:ph type="title"/>
+          </p:nvPr>
+        </p:nvSpPr>
+        <p:spPr>
+          <a:xfrm>
+            <a:off x="691079" y="0"/>
+            <a:ext cx="10325000" cy="1442463"/>
+          </a:xfrm>
+        </p:spPr>
+        <p:txBody>
+          <a:bodyPr/>
+          <a:lstStyle/>
+          <a:p>
+            <a:r>
+              <a:rPr lang="hu-HU" dirty="0"/>
+              <a:t>Algoritmusok optimalizálása</a:t>
+            </a:r>
+            <a:endParaRPr lang="en-US" dirty="0"/>
+          </a:p>
+        </p:txBody>
+      </p:sp>
+      <p:sp>
+        <p:nvSpPr>
+          <p:cNvPr id="3" name="Content Placeholder 2">
+            <a:extLst>
+              <a:ext uri="{FF2B5EF4-FFF2-40B4-BE49-F238E27FC236}">
+                <a16:creationId xmlns:a16="http://schemas.microsoft.com/office/drawing/2014/main" id="{966445CA-1095-4445-B7EB-20023581A616}"/>
+              </a:ext>
+            </a:extLst>
+          </p:cNvPr>
+          <p:cNvSpPr>
+            <a:spLocks noGrp="1"/>
+          </p:cNvSpPr>
+          <p:nvPr>
+            <p:ph idx="1"/>
+          </p:nvPr>
+        </p:nvSpPr>
+        <p:spPr>
+          <a:xfrm>
+            <a:off x="691079" y="1999692"/>
+            <a:ext cx="11405846" cy="4494413"/>
+          </a:xfrm>
+        </p:spPr>
+        <p:txBody>
+          <a:bodyPr>
+            <a:normAutofit/>
+          </a:bodyPr>
+          <a:lstStyle/>
+          <a:p>
+            <a:pPr>
+              <a:buFont typeface="Arial" panose="020B0604020202020204" pitchFamily="34" charset="0"/>
+              <a:buChar char="•"/>
+            </a:pPr>
+            <a:r>
+              <a:rPr lang="hu-HU" sz="2800" dirty="0" err="1"/>
+              <a:t>kNN</a:t>
+            </a:r>
+            <a:r>
+              <a:rPr lang="hu-HU" sz="2800" dirty="0"/>
+              <a:t>: 10-szeres keresztvalidáció a szomszédszámra </a:t>
+            </a:r>
+          </a:p>
+          <a:p>
+            <a:pPr>
+              <a:buFont typeface="Arial" panose="020B0604020202020204" pitchFamily="34" charset="0"/>
+              <a:buChar char="•"/>
+            </a:pPr>
+            <a:r>
+              <a:rPr lang="hu-HU" sz="2800" dirty="0"/>
+              <a:t>SVM: 10-szeres keresztvalidáció a </a:t>
+            </a:r>
+            <a:r>
+              <a:rPr lang="hu-HU" sz="2800" dirty="0" err="1"/>
+              <a:t>regularizációs</a:t>
+            </a:r>
+            <a:r>
+              <a:rPr lang="hu-HU" sz="2800" dirty="0"/>
+              <a:t> tagra</a:t>
+            </a:r>
+          </a:p>
+          <a:p>
+            <a:pPr>
+              <a:buFont typeface="Arial" panose="020B0604020202020204" pitchFamily="34" charset="0"/>
+              <a:buChar char="•"/>
+            </a:pPr>
+            <a:r>
+              <a:rPr lang="hu-HU" sz="2800" dirty="0"/>
+              <a:t>Logisztikus regresszió: büntetőtag és iterációszám</a:t>
+            </a:r>
+          </a:p>
+          <a:p>
+            <a:pPr>
+              <a:buFont typeface="Arial" panose="020B0604020202020204" pitchFamily="34" charset="0"/>
+              <a:buChar char="•"/>
+            </a:pPr>
+            <a:r>
+              <a:rPr lang="hu-HU" sz="2800" dirty="0"/>
+              <a:t>SVM és Log. Regresszió: kiegyensúlyozatlanság jelölése</a:t>
+            </a:r>
+          </a:p>
+          <a:p>
+            <a:pPr>
+              <a:buFont typeface="Arial" panose="020B0604020202020204" pitchFamily="34" charset="0"/>
+              <a:buChar char="•"/>
+            </a:pPr>
+            <a:r>
+              <a:rPr lang="hu-HU" sz="2800" dirty="0"/>
+              <a:t>Dimenziócsökkentés PCA-</a:t>
+            </a:r>
+            <a:r>
+              <a:rPr lang="hu-HU" sz="2800" dirty="0" err="1"/>
+              <a:t>val</a:t>
+            </a:r>
+            <a:r>
+              <a:rPr lang="hu-HU" sz="2800" dirty="0"/>
+              <a:t>       regressziós algoritmusok és SVM futtatása származtatott attribútumokon</a:t>
+            </a:r>
+          </a:p>
+          <a:p>
+            <a:pPr>
+              <a:buFont typeface="Arial" panose="020B0604020202020204" pitchFamily="34" charset="0"/>
+              <a:buChar char="•"/>
+            </a:pPr>
+            <a:r>
+              <a:rPr lang="hu-HU" sz="2800" dirty="0"/>
+              <a:t>Főkomponens-számonként nézzük a teljesítményt</a:t>
+            </a:r>
+            <a:endParaRPr lang="en-US" sz="2800" dirty="0"/>
+          </a:p>
+        </p:txBody>
+      </p:sp>
+      <p:sp>
+        <p:nvSpPr>
+          <p:cNvPr id="4" name="Nyíl: sávnyíl 7">
+            <a:extLst>
+              <a:ext uri="{FF2B5EF4-FFF2-40B4-BE49-F238E27FC236}">
+                <a16:creationId xmlns:a16="http://schemas.microsoft.com/office/drawing/2014/main" id="{A48C55F5-212E-444E-AC03-A7C728C5C670}"/>
+              </a:ext>
+            </a:extLst>
+          </p:cNvPr>
+          <p:cNvSpPr/>
+          <p:nvPr/>
+        </p:nvSpPr>
+        <p:spPr>
+          <a:xfrm>
+            <a:off x="5853579" y="4527803"/>
+            <a:ext cx="401274" cy="304184"/>
+          </a:xfrm>
+          <a:prstGeom prst="chevron">
+            <a:avLst/>
+          </a:prstGeom>
+        </p:spPr>
+        <p:style>
+          <a:lnRef idx="2">
+            <a:schemeClr val="accent1">
+              <a:shade val="50000"/>
+            </a:schemeClr>
+          </a:lnRef>
+          <a:fillRef idx="1">
+            <a:schemeClr val="accent1"/>
+          </a:fillRef>
+          <a:effectRef idx="0">
+            <a:schemeClr val="accent1"/>
+          </a:effectRef>
+          <a:fontRef idx="minor">
+            <a:schemeClr val="lt1"/>
+          </a:fontRef>
+        </p:style>
+        <p:txBody>
+          <a:bodyPr rtlCol="0" anchor="ctr"/>
+          <a:lstStyle/>
+          <a:p>
+            <a:pPr algn="ctr"/>
+            <a:endParaRPr lang="hu-HU" dirty="0">
+              <a:solidFill>
+                <a:schemeClr val="tx1"/>
+              </a:solidFill>
+            </a:endParaRPr>
+          </a:p>
+        </p:txBody>
+      </p:sp>
+    </p:spTree>
+    <p:extLst>
+      <p:ext uri="{BB962C8B-B14F-4D97-AF65-F5344CB8AC3E}">
+        <p14:creationId xmlns:p14="http://schemas.microsoft.com/office/powerpoint/2010/main" val="14307985"/>
+      </p:ext>
+    </p:extLst>
+  </p:cSld>
+  <p:clrMapOvr>
+    <a:masterClrMapping/>
+  </p:clrMapOvr>
+</p:sld>
+</file>
+
+<file path=ppt/slides/slide17.xml><?xml version="1.0" encoding="utf-8"?>
+<p:sld xmlns:a="http://schemas.openxmlformats.org/drawingml/2006/main" xmlns:r="http://schemas.openxmlformats.org/officeDocument/2006/relationships" xmlns:p="http://schemas.openxmlformats.org/presentationml/2006/main">
+  <p:cSld>
+    <p:spTree>
+      <p:nvGrpSpPr>
+        <p:cNvPr id="1" name=""/>
+        <p:cNvGrpSpPr/>
+        <p:nvPr/>
+      </p:nvGrpSpPr>
+      <p:grpSpPr>
+        <a:xfrm>
+          <a:off x="0" y="0"/>
+          <a:ext cx="0" cy="0"/>
+          <a:chOff x="0" y="0"/>
+          <a:chExt cx="0" cy="0"/>
+        </a:xfrm>
+      </p:grpSpPr>
+      <p:sp>
+        <p:nvSpPr>
+          <p:cNvPr id="2" name="Title 1">
+            <a:extLst>
+              <a:ext uri="{FF2B5EF4-FFF2-40B4-BE49-F238E27FC236}">
+                <a16:creationId xmlns:a16="http://schemas.microsoft.com/office/drawing/2014/main" id="{C3CB3364-04E4-4E44-84C2-85E526234EEE}"/>
+              </a:ext>
+            </a:extLst>
+          </p:cNvPr>
+          <p:cNvSpPr>
+            <a:spLocks noGrp="1"/>
+          </p:cNvSpPr>
+          <p:nvPr>
+            <p:ph type="title"/>
+          </p:nvPr>
+        </p:nvSpPr>
+        <p:spPr>
+          <a:xfrm>
+            <a:off x="691079" y="105166"/>
+            <a:ext cx="10325000" cy="1442463"/>
+          </a:xfrm>
+        </p:spPr>
+        <p:txBody>
+          <a:bodyPr/>
+          <a:lstStyle/>
+          <a:p>
+            <a:r>
+              <a:rPr lang="hu-HU" dirty="0"/>
+              <a:t>Két új adatmodell</a:t>
+            </a:r>
+            <a:endParaRPr lang="en-US" dirty="0"/>
+          </a:p>
+        </p:txBody>
+      </p:sp>
+      <p:sp>
+        <p:nvSpPr>
+          <p:cNvPr id="3" name="Content Placeholder 2">
+            <a:extLst>
+              <a:ext uri="{FF2B5EF4-FFF2-40B4-BE49-F238E27FC236}">
+                <a16:creationId xmlns:a16="http://schemas.microsoft.com/office/drawing/2014/main" id="{7A866F16-464D-43E0-B54D-C48C8A334AA3}"/>
+              </a:ext>
+            </a:extLst>
+          </p:cNvPr>
+          <p:cNvSpPr>
+            <a:spLocks noGrp="1"/>
+          </p:cNvSpPr>
+          <p:nvPr>
+            <p:ph idx="1"/>
+          </p:nvPr>
+        </p:nvSpPr>
+        <p:spPr>
+          <a:xfrm>
+            <a:off x="691079" y="1895514"/>
+            <a:ext cx="10325000" cy="4337505"/>
+          </a:xfrm>
+        </p:spPr>
+        <p:txBody>
+          <a:bodyPr>
+            <a:normAutofit/>
+          </a:bodyPr>
+          <a:lstStyle/>
+          <a:p>
+            <a:pPr>
+              <a:buFont typeface="Arial" panose="020B0604020202020204" pitchFamily="34" charset="0"/>
+              <a:buChar char="•"/>
+            </a:pPr>
+            <a:r>
+              <a:rPr lang="hu-HU" sz="2800" dirty="0"/>
+              <a:t>Eddigi algoritmusok változó, de nem túl jó eredményt adtak</a:t>
+            </a:r>
+          </a:p>
+          <a:p>
+            <a:pPr>
+              <a:buFont typeface="Arial" panose="020B0604020202020204" pitchFamily="34" charset="0"/>
+              <a:buChar char="•"/>
+            </a:pPr>
+            <a:r>
+              <a:rPr lang="hu-HU" sz="2800" dirty="0"/>
+              <a:t>Kora egyetemi adatokból alapvetően nehéz pontos eredményt adni       „Legyünk megengedőbbek”</a:t>
+            </a:r>
+          </a:p>
+          <a:p>
+            <a:pPr>
+              <a:buFont typeface="Arial" panose="020B0604020202020204" pitchFamily="34" charset="0"/>
+              <a:buChar char="•"/>
+            </a:pPr>
+            <a:r>
+              <a:rPr lang="hu-HU" sz="2800" dirty="0"/>
+              <a:t>Új adatmodell: 5 jegy helyett 3 csoport</a:t>
+            </a:r>
+          </a:p>
+          <a:p>
+            <a:pPr>
+              <a:buFont typeface="Arial" panose="020B0604020202020204" pitchFamily="34" charset="0"/>
+              <a:buChar char="•"/>
+            </a:pPr>
+            <a:r>
+              <a:rPr lang="hu-HU" sz="2800" dirty="0"/>
+              <a:t>„Jó” tanulók: 4,5 ; „Rossz” tanulók: 3,2 ; Lemorzsolódók: 1 </a:t>
+            </a:r>
+          </a:p>
+          <a:p>
+            <a:pPr>
+              <a:buFont typeface="Arial" panose="020B0604020202020204" pitchFamily="34" charset="0"/>
+              <a:buChar char="•"/>
+            </a:pPr>
+            <a:r>
+              <a:rPr lang="hu-HU" sz="2800" dirty="0"/>
+              <a:t>Ebből megint két adatmodell, ugyanazokkal az algoritmusokkal + optimalizálásukkal</a:t>
+            </a:r>
+            <a:endParaRPr lang="en-US" sz="2800" dirty="0"/>
+          </a:p>
+        </p:txBody>
+      </p:sp>
+      <p:sp>
+        <p:nvSpPr>
+          <p:cNvPr id="4" name="Nyíl: sávnyíl 7">
+            <a:extLst>
+              <a:ext uri="{FF2B5EF4-FFF2-40B4-BE49-F238E27FC236}">
+                <a16:creationId xmlns:a16="http://schemas.microsoft.com/office/drawing/2014/main" id="{80C6A5A0-BA85-456C-9339-F203BD9B84CB}"/>
+              </a:ext>
+            </a:extLst>
+          </p:cNvPr>
+          <p:cNvSpPr/>
+          <p:nvPr/>
+        </p:nvSpPr>
+        <p:spPr>
+          <a:xfrm>
+            <a:off x="3672442" y="3124816"/>
+            <a:ext cx="401274" cy="304184"/>
+          </a:xfrm>
+          <a:prstGeom prst="chevron">
+            <a:avLst/>
+          </a:prstGeom>
+        </p:spPr>
+        <p:style>
+          <a:lnRef idx="2">
+            <a:schemeClr val="accent1">
+              <a:shade val="50000"/>
+            </a:schemeClr>
+          </a:lnRef>
+          <a:fillRef idx="1">
+            <a:schemeClr val="accent1"/>
+          </a:fillRef>
+          <a:effectRef idx="0">
+            <a:schemeClr val="accent1"/>
+          </a:effectRef>
+          <a:fontRef idx="minor">
+            <a:schemeClr val="lt1"/>
+          </a:fontRef>
+        </p:style>
+        <p:txBody>
+          <a:bodyPr rtlCol="0" anchor="ctr"/>
+          <a:lstStyle/>
+          <a:p>
+            <a:pPr algn="ctr"/>
+            <a:endParaRPr lang="hu-HU" dirty="0">
+              <a:solidFill>
+                <a:schemeClr val="tx1"/>
+              </a:solidFill>
+            </a:endParaRPr>
+          </a:p>
+        </p:txBody>
+      </p:sp>
+    </p:spTree>
+    <p:extLst>
+      <p:ext uri="{BB962C8B-B14F-4D97-AF65-F5344CB8AC3E}">
+        <p14:creationId xmlns:p14="http://schemas.microsoft.com/office/powerpoint/2010/main" val="3833561819"/>
+      </p:ext>
+    </p:extLst>
+  </p:cSld>
+  <p:clrMapOvr>
+    <a:masterClrMapping/>
+  </p:clrMapOvr>
+</p:sld>
+</file>
+
+<file path=ppt/slides/slide18.xml><?xml version="1.0" encoding="utf-8"?>
+<p:sld xmlns:a="http://schemas.openxmlformats.org/drawingml/2006/main" xmlns:r="http://schemas.openxmlformats.org/officeDocument/2006/relationships" xmlns:p="http://schemas.openxmlformats.org/presentationml/2006/main">
+  <p:cSld>
+    <p:spTree>
+      <p:nvGrpSpPr>
+        <p:cNvPr id="1" name=""/>
+        <p:cNvGrpSpPr/>
+        <p:nvPr/>
+      </p:nvGrpSpPr>
+      <p:grpSpPr>
+        <a:xfrm>
+          <a:off x="0" y="0"/>
+          <a:ext cx="0" cy="0"/>
+          <a:chOff x="0" y="0"/>
+          <a:chExt cx="0" cy="0"/>
+        </a:xfrm>
+      </p:grpSpPr>
+      <p:sp>
+        <p:nvSpPr>
+          <p:cNvPr id="2" name="Title 1">
+            <a:extLst>
+              <a:ext uri="{FF2B5EF4-FFF2-40B4-BE49-F238E27FC236}">
+                <a16:creationId xmlns:a16="http://schemas.microsoft.com/office/drawing/2014/main" id="{36386E45-CDDB-4B25-9E1B-B796B1EF2FAC}"/>
+              </a:ext>
+            </a:extLst>
+          </p:cNvPr>
+          <p:cNvSpPr>
+            <a:spLocks noGrp="1"/>
+          </p:cNvSpPr>
+          <p:nvPr>
+            <p:ph type="title"/>
+          </p:nvPr>
+        </p:nvSpPr>
+        <p:spPr>
+          <a:xfrm>
+            <a:off x="691079" y="65314"/>
+            <a:ext cx="10325000" cy="1314535"/>
+          </a:xfrm>
+        </p:spPr>
+        <p:txBody>
+          <a:bodyPr/>
+          <a:lstStyle/>
+          <a:p>
+            <a:r>
+              <a:rPr lang="hu-HU" dirty="0"/>
+              <a:t>Kiértékelés</a:t>
+            </a:r>
+            <a:endParaRPr lang="en-US" dirty="0"/>
+          </a:p>
+        </p:txBody>
+      </p:sp>
+      <p:sp>
+        <p:nvSpPr>
+          <p:cNvPr id="3" name="Content Placeholder 2">
+            <a:extLst>
+              <a:ext uri="{FF2B5EF4-FFF2-40B4-BE49-F238E27FC236}">
+                <a16:creationId xmlns:a16="http://schemas.microsoft.com/office/drawing/2014/main" id="{1DFC1465-6317-40B1-AE95-4E8CF4693155}"/>
+              </a:ext>
+            </a:extLst>
+          </p:cNvPr>
+          <p:cNvSpPr>
+            <a:spLocks noGrp="1"/>
+          </p:cNvSpPr>
+          <p:nvPr>
+            <p:ph idx="1"/>
+          </p:nvPr>
+        </p:nvSpPr>
+        <p:spPr>
+          <a:xfrm>
+            <a:off x="607103" y="1898451"/>
+            <a:ext cx="10325000" cy="5080589"/>
+          </a:xfrm>
+        </p:spPr>
+        <p:txBody>
+          <a:bodyPr>
+            <a:normAutofit/>
+          </a:bodyPr>
+          <a:lstStyle/>
+          <a:p>
+            <a:pPr>
+              <a:buFont typeface="Arial" panose="020B0604020202020204" pitchFamily="34" charset="0"/>
+              <a:buChar char="•"/>
+            </a:pPr>
+            <a:r>
+              <a:rPr lang="hu-HU" sz="2800" dirty="0"/>
+              <a:t>Alapvetően 4 modell</a:t>
+            </a:r>
+            <a:br>
+              <a:rPr lang="hu-HU" sz="2800" dirty="0"/>
+            </a:br>
+            <a:endParaRPr lang="hu-HU" sz="2800" dirty="0"/>
+          </a:p>
+          <a:p>
+            <a:pPr>
+              <a:buFont typeface="Arial" panose="020B0604020202020204" pitchFamily="34" charset="0"/>
+              <a:buChar char="•"/>
+            </a:pPr>
+            <a:r>
+              <a:rPr lang="hu-HU" sz="2800" dirty="0"/>
+              <a:t>A 3 csoport modellek</a:t>
+            </a:r>
+            <a:br>
+              <a:rPr lang="hu-HU" sz="2800" dirty="0"/>
+            </a:br>
+            <a:r>
+              <a:rPr lang="hu-HU" sz="2800" dirty="0"/>
+              <a:t>általában jobban </a:t>
+            </a:r>
+            <a:br>
+              <a:rPr lang="hu-HU" sz="2800" dirty="0"/>
+            </a:br>
+            <a:r>
+              <a:rPr lang="hu-HU" sz="2800" dirty="0"/>
+              <a:t>teljesít, mint az 5 </a:t>
+            </a:r>
+            <a:br>
+              <a:rPr lang="hu-HU" sz="2800" dirty="0"/>
+            </a:br>
+            <a:r>
+              <a:rPr lang="hu-HU" sz="2800" dirty="0"/>
+              <a:t>jegy modellek</a:t>
+            </a:r>
+          </a:p>
+          <a:p>
+            <a:pPr marL="0" indent="0">
+              <a:buNone/>
+            </a:pPr>
+            <a:br>
+              <a:rPr lang="hu-HU" sz="2800" dirty="0"/>
+            </a:br>
+            <a:br>
+              <a:rPr lang="hu-HU" sz="2800" dirty="0"/>
+            </a:br>
+            <a:endParaRPr lang="en-US" sz="2800" dirty="0"/>
+          </a:p>
+        </p:txBody>
+      </p:sp>
+      <p:pic>
+        <p:nvPicPr>
+          <p:cNvPr id="4" name="Picture 3" descr="Text&#10;&#10;Description automatically generated">
+            <a:extLst>
+              <a:ext uri="{FF2B5EF4-FFF2-40B4-BE49-F238E27FC236}">
+                <a16:creationId xmlns:a16="http://schemas.microsoft.com/office/drawing/2014/main" id="{C1B1148F-8B52-4CA0-AD97-9CC748798A83}"/>
+              </a:ext>
+            </a:extLst>
+          </p:cNvPr>
+          <p:cNvPicPr>
+            <a:picLocks noChangeAspect="1"/>
+          </p:cNvPicPr>
+          <p:nvPr/>
+        </p:nvPicPr>
+        <p:blipFill>
+          <a:blip r:embed="rId2">
+            <a:extLst>
+              <a:ext uri="{28A0092B-C50C-407E-A947-70E740481C1C}">
+                <a14:useLocalDpi xmlns:a14="http://schemas.microsoft.com/office/drawing/2010/main" val="0"/>
+              </a:ext>
+            </a:extLst>
+          </a:blip>
+          <a:stretch>
+            <a:fillRect/>
+          </a:stretch>
+        </p:blipFill>
+        <p:spPr>
+          <a:xfrm>
+            <a:off x="4721905" y="1379849"/>
+            <a:ext cx="3358407" cy="3727463"/>
+          </a:xfrm>
+          <a:prstGeom prst="rect">
+            <a:avLst/>
+          </a:prstGeom>
+          <a:ln>
+            <a:solidFill>
+              <a:schemeClr val="tx1"/>
+            </a:solidFill>
+          </a:ln>
+        </p:spPr>
+      </p:pic>
+      <p:pic>
+        <p:nvPicPr>
+          <p:cNvPr id="5" name="Picture 4" descr="Text&#10;&#10;Description automatically generated">
+            <a:extLst>
+              <a:ext uri="{FF2B5EF4-FFF2-40B4-BE49-F238E27FC236}">
+                <a16:creationId xmlns:a16="http://schemas.microsoft.com/office/drawing/2014/main" id="{E536CA29-EAB1-49CF-819C-CA751069A0A0}"/>
+              </a:ext>
+            </a:extLst>
+          </p:cNvPr>
+          <p:cNvPicPr>
+            <a:picLocks noChangeAspect="1"/>
+          </p:cNvPicPr>
+          <p:nvPr/>
+        </p:nvPicPr>
+        <p:blipFill>
+          <a:blip r:embed="rId3">
+            <a:extLst>
+              <a:ext uri="{28A0092B-C50C-407E-A947-70E740481C1C}">
+                <a14:useLocalDpi xmlns:a14="http://schemas.microsoft.com/office/drawing/2010/main" val="0"/>
+              </a:ext>
+            </a:extLst>
+          </a:blip>
+          <a:stretch>
+            <a:fillRect/>
+          </a:stretch>
+        </p:blipFill>
+        <p:spPr>
+          <a:xfrm>
+            <a:off x="8463720" y="1379849"/>
+            <a:ext cx="3303604" cy="3727463"/>
+          </a:xfrm>
+          <a:prstGeom prst="rect">
+            <a:avLst/>
+          </a:prstGeom>
+          <a:ln>
+            <a:solidFill>
+              <a:schemeClr val="tx1"/>
+            </a:solidFill>
+          </a:ln>
+        </p:spPr>
+      </p:pic>
+      <p:sp>
+        <p:nvSpPr>
+          <p:cNvPr id="6" name="TextBox 5">
+            <a:extLst>
+              <a:ext uri="{FF2B5EF4-FFF2-40B4-BE49-F238E27FC236}">
+                <a16:creationId xmlns:a16="http://schemas.microsoft.com/office/drawing/2014/main" id="{55578C80-AEB5-4EA5-9AA5-A3B0AF7A1DF2}"/>
+              </a:ext>
+            </a:extLst>
+          </p:cNvPr>
+          <p:cNvSpPr txBox="1"/>
+          <p:nvPr/>
+        </p:nvSpPr>
+        <p:spPr>
+          <a:xfrm>
+            <a:off x="4721905" y="989045"/>
+            <a:ext cx="2557110" cy="369332"/>
+          </a:xfrm>
+          <a:prstGeom prst="rect">
+            <a:avLst/>
+          </a:prstGeom>
+          <a:noFill/>
+        </p:spPr>
+        <p:txBody>
+          <a:bodyPr wrap="none" rtlCol="0">
+            <a:spAutoFit/>
+          </a:bodyPr>
+          <a:lstStyle/>
+          <a:p>
+            <a:r>
+              <a:rPr lang="hu-HU" dirty="0">
+                <a:latin typeface="+mj-lt"/>
+              </a:rPr>
+              <a:t>Együttes 5 jegy modell</a:t>
+            </a:r>
+            <a:endParaRPr lang="en-US" dirty="0">
+              <a:latin typeface="+mj-lt"/>
+            </a:endParaRPr>
+          </a:p>
+        </p:txBody>
+      </p:sp>
+      <p:sp>
+        <p:nvSpPr>
+          <p:cNvPr id="7" name="TextBox 6">
+            <a:extLst>
+              <a:ext uri="{FF2B5EF4-FFF2-40B4-BE49-F238E27FC236}">
+                <a16:creationId xmlns:a16="http://schemas.microsoft.com/office/drawing/2014/main" id="{FA2F6D9D-ECCB-47E6-9BF5-F7B3F3271647}"/>
+              </a:ext>
+            </a:extLst>
+          </p:cNvPr>
+          <p:cNvSpPr txBox="1"/>
+          <p:nvPr/>
+        </p:nvSpPr>
+        <p:spPr>
+          <a:xfrm>
+            <a:off x="8408642" y="989045"/>
+            <a:ext cx="2983060" cy="369332"/>
+          </a:xfrm>
+          <a:prstGeom prst="rect">
+            <a:avLst/>
+          </a:prstGeom>
+          <a:noFill/>
+        </p:spPr>
+        <p:txBody>
+          <a:bodyPr wrap="square" rtlCol="0">
+            <a:spAutoFit/>
+          </a:bodyPr>
+          <a:lstStyle/>
+          <a:p>
+            <a:r>
+              <a:rPr lang="hu-HU" dirty="0"/>
+              <a:t>Együttes 3 csoport modell</a:t>
+            </a:r>
+            <a:endParaRPr lang="en-US" dirty="0"/>
+          </a:p>
+        </p:txBody>
+      </p:sp>
+      <p:sp>
+        <p:nvSpPr>
+          <p:cNvPr id="8" name="TextBox 7">
+            <a:extLst>
+              <a:ext uri="{FF2B5EF4-FFF2-40B4-BE49-F238E27FC236}">
+                <a16:creationId xmlns:a16="http://schemas.microsoft.com/office/drawing/2014/main" id="{BC6094DF-DA9C-4746-ABB6-CFAE03191574}"/>
+              </a:ext>
+            </a:extLst>
+          </p:cNvPr>
+          <p:cNvSpPr txBox="1"/>
+          <p:nvPr/>
+        </p:nvSpPr>
+        <p:spPr>
+          <a:xfrm>
+            <a:off x="5223805" y="5222624"/>
+            <a:ext cx="6543519" cy="646331"/>
+          </a:xfrm>
+          <a:prstGeom prst="rect">
+            <a:avLst/>
+          </a:prstGeom>
+          <a:noFill/>
+        </p:spPr>
+        <p:txBody>
+          <a:bodyPr wrap="square" rtlCol="0">
+            <a:spAutoFit/>
+          </a:bodyPr>
+          <a:lstStyle/>
+          <a:p>
+            <a:r>
+              <a:rPr lang="hu-HU" sz="1800" dirty="0"/>
+              <a:t>- Mindkét esetben az SVM pontossága 5 főkomponenssel 15-20%-kal javítható</a:t>
+            </a:r>
+            <a:endParaRPr lang="en-US" dirty="0"/>
+          </a:p>
+        </p:txBody>
+      </p:sp>
+    </p:spTree>
+    <p:extLst>
+      <p:ext uri="{BB962C8B-B14F-4D97-AF65-F5344CB8AC3E}">
+        <p14:creationId xmlns:p14="http://schemas.microsoft.com/office/powerpoint/2010/main" val="1981241759"/>
+      </p:ext>
+    </p:extLst>
+  </p:cSld>
+  <p:clrMapOvr>
+    <a:masterClrMapping/>
+  </p:clrMapOvr>
+</p:sld>
+</file>
+
+<file path=ppt/slides/slide19.xml><?xml version="1.0" encoding="utf-8"?>
+<p:sld xmlns:a="http://schemas.openxmlformats.org/drawingml/2006/main" xmlns:r="http://schemas.openxmlformats.org/officeDocument/2006/relationships" xmlns:p="http://schemas.openxmlformats.org/presentationml/2006/main">
+  <p:cSld>
+    <p:spTree>
+      <p:nvGrpSpPr>
+        <p:cNvPr id="1" name=""/>
+        <p:cNvGrpSpPr/>
+        <p:nvPr/>
+      </p:nvGrpSpPr>
+      <p:grpSpPr>
+        <a:xfrm>
+          <a:off x="0" y="0"/>
+          <a:ext cx="0" cy="0"/>
+          <a:chOff x="0" y="0"/>
+          <a:chExt cx="0" cy="0"/>
+        </a:xfrm>
+      </p:grpSpPr>
+      <p:sp>
+        <p:nvSpPr>
+          <p:cNvPr id="2" name="Title 1">
+            <a:extLst>
+              <a:ext uri="{FF2B5EF4-FFF2-40B4-BE49-F238E27FC236}">
+                <a16:creationId xmlns:a16="http://schemas.microsoft.com/office/drawing/2014/main" id="{634FB59F-D8D1-4AF2-9E9A-C0788B016E87}"/>
+              </a:ext>
+            </a:extLst>
+          </p:cNvPr>
+          <p:cNvSpPr>
+            <a:spLocks noGrp="1"/>
+          </p:cNvSpPr>
+          <p:nvPr>
+            <p:ph type="title"/>
+          </p:nvPr>
+        </p:nvSpPr>
+        <p:spPr>
+          <a:xfrm>
+            <a:off x="472966" y="-601323"/>
+            <a:ext cx="10325000" cy="1442463"/>
+          </a:xfrm>
+        </p:spPr>
+        <p:txBody>
+          <a:bodyPr/>
+          <a:lstStyle/>
+          <a:p>
+            <a:r>
+              <a:rPr lang="hu-HU" dirty="0"/>
+              <a:t>PCA az előbbi két modellen</a:t>
+            </a:r>
+            <a:endParaRPr lang="en-US" dirty="0"/>
+          </a:p>
+        </p:txBody>
+      </p:sp>
+      <p:sp>
+        <p:nvSpPr>
+          <p:cNvPr id="3" name="Content Placeholder 2">
+            <a:extLst>
+              <a:ext uri="{FF2B5EF4-FFF2-40B4-BE49-F238E27FC236}">
+                <a16:creationId xmlns:a16="http://schemas.microsoft.com/office/drawing/2014/main" id="{E5464799-CD43-4DB2-8F04-347D9365426A}"/>
+              </a:ext>
+            </a:extLst>
+          </p:cNvPr>
+          <p:cNvSpPr>
+            <a:spLocks noGrp="1"/>
+          </p:cNvSpPr>
+          <p:nvPr>
+            <p:ph idx="1"/>
+          </p:nvPr>
+        </p:nvSpPr>
+        <p:spPr/>
+        <p:txBody>
+          <a:bodyPr/>
+          <a:lstStyle/>
+          <a:p>
+            <a:endParaRPr lang="en-US" dirty="0"/>
+          </a:p>
+        </p:txBody>
+      </p:sp>
+      <p:pic>
+        <p:nvPicPr>
+          <p:cNvPr id="5" name="Picture 4">
+            <a:extLst>
+              <a:ext uri="{FF2B5EF4-FFF2-40B4-BE49-F238E27FC236}">
+                <a16:creationId xmlns:a16="http://schemas.microsoft.com/office/drawing/2014/main" id="{567DE6B4-DE17-4E64-80EF-7DD92FBFA1C2}"/>
+              </a:ext>
+            </a:extLst>
+          </p:cNvPr>
+          <p:cNvPicPr>
+            <a:picLocks noChangeAspect="1"/>
+          </p:cNvPicPr>
+          <p:nvPr/>
+        </p:nvPicPr>
+        <p:blipFill>
+          <a:blip r:embed="rId2"/>
+          <a:stretch>
+            <a:fillRect/>
+          </a:stretch>
+        </p:blipFill>
+        <p:spPr>
+          <a:xfrm>
+            <a:off x="472966" y="924837"/>
+            <a:ext cx="7907636" cy="2606913"/>
+          </a:xfrm>
+          <a:prstGeom prst="rect">
+            <a:avLst/>
+          </a:prstGeom>
+          <a:ln>
+            <a:solidFill>
+              <a:schemeClr val="tx1"/>
+            </a:solidFill>
+          </a:ln>
+        </p:spPr>
+      </p:pic>
+      <p:pic>
+        <p:nvPicPr>
+          <p:cNvPr id="7" name="Picture 6">
+            <a:extLst>
+              <a:ext uri="{FF2B5EF4-FFF2-40B4-BE49-F238E27FC236}">
+                <a16:creationId xmlns:a16="http://schemas.microsoft.com/office/drawing/2014/main" id="{BC91169B-14CE-405D-A3F5-B38C727FEFE4}"/>
+              </a:ext>
+            </a:extLst>
+          </p:cNvPr>
+          <p:cNvPicPr>
+            <a:picLocks noChangeAspect="1"/>
+          </p:cNvPicPr>
+          <p:nvPr/>
+        </p:nvPicPr>
+        <p:blipFill>
+          <a:blip r:embed="rId3"/>
+          <a:stretch>
+            <a:fillRect/>
+          </a:stretch>
+        </p:blipFill>
+        <p:spPr>
+          <a:xfrm>
+            <a:off x="472966" y="3864724"/>
+            <a:ext cx="7907636" cy="2589227"/>
+          </a:xfrm>
+          <a:prstGeom prst="rect">
+            <a:avLst/>
+          </a:prstGeom>
+          <a:ln>
+            <a:solidFill>
+              <a:schemeClr val="tx1"/>
+            </a:solidFill>
+          </a:ln>
+        </p:spPr>
+      </p:pic>
+      <p:sp>
+        <p:nvSpPr>
+          <p:cNvPr id="8" name="TextBox 7">
+            <a:extLst>
+              <a:ext uri="{FF2B5EF4-FFF2-40B4-BE49-F238E27FC236}">
+                <a16:creationId xmlns:a16="http://schemas.microsoft.com/office/drawing/2014/main" id="{EFD734EA-54C9-4FDD-B1D8-5A6A28FAA7C3}"/>
+              </a:ext>
+            </a:extLst>
+          </p:cNvPr>
+          <p:cNvSpPr txBox="1"/>
+          <p:nvPr/>
+        </p:nvSpPr>
+        <p:spPr>
+          <a:xfrm>
+            <a:off x="8472881" y="1803633"/>
+            <a:ext cx="2731838" cy="369332"/>
+          </a:xfrm>
+          <a:prstGeom prst="rect">
+            <a:avLst/>
+          </a:prstGeom>
+          <a:noFill/>
+        </p:spPr>
+        <p:txBody>
+          <a:bodyPr wrap="none" rtlCol="0">
+            <a:spAutoFit/>
+          </a:bodyPr>
+          <a:lstStyle/>
+          <a:p>
+            <a:r>
+              <a:rPr lang="hu-HU" dirty="0"/>
+              <a:t>- Együttes 5 jegy modell</a:t>
+            </a:r>
+            <a:endParaRPr lang="en-US" dirty="0"/>
+          </a:p>
+        </p:txBody>
+      </p:sp>
+      <p:sp>
+        <p:nvSpPr>
+          <p:cNvPr id="9" name="TextBox 8">
+            <a:extLst>
+              <a:ext uri="{FF2B5EF4-FFF2-40B4-BE49-F238E27FC236}">
+                <a16:creationId xmlns:a16="http://schemas.microsoft.com/office/drawing/2014/main" id="{55B58653-76F1-48A6-9EA8-A44AA362B434}"/>
+              </a:ext>
+            </a:extLst>
+          </p:cNvPr>
+          <p:cNvSpPr txBox="1"/>
+          <p:nvPr/>
+        </p:nvSpPr>
+        <p:spPr>
+          <a:xfrm>
+            <a:off x="8472881" y="4790005"/>
+            <a:ext cx="3092513" cy="369332"/>
+          </a:xfrm>
+          <a:prstGeom prst="rect">
+            <a:avLst/>
+          </a:prstGeom>
+          <a:noFill/>
+        </p:spPr>
+        <p:txBody>
+          <a:bodyPr wrap="none" rtlCol="0">
+            <a:spAutoFit/>
+          </a:bodyPr>
+          <a:lstStyle/>
+          <a:p>
+            <a:r>
+              <a:rPr lang="hu-HU" dirty="0"/>
+              <a:t>- Együttes 3 csoport modell</a:t>
+            </a:r>
+            <a:endParaRPr lang="en-US" dirty="0"/>
+          </a:p>
+        </p:txBody>
+      </p:sp>
+    </p:spTree>
+    <p:extLst>
+      <p:ext uri="{BB962C8B-B14F-4D97-AF65-F5344CB8AC3E}">
+        <p14:creationId xmlns:p14="http://schemas.microsoft.com/office/powerpoint/2010/main" val="3846630685"/>
       </p:ext>
     </p:extLst>
   </p:cSld>
@@ -16573,7 +18017,7 @@
         <p:spPr>
           <a:xfrm>
             <a:off x="691079" y="2196181"/>
-            <a:ext cx="10506954" cy="3539430"/>
+            <a:ext cx="10506954" cy="3108543"/>
           </a:xfrm>
           <a:prstGeom prst="rect">
             <a:avLst/>
@@ -16622,14 +18066,7 @@
             </a:pPr>
             <a:r>
               <a:rPr lang="hu-HU" sz="2800" dirty="0"/>
-              <a:t>Többosztályos, kiegyensúlyozatlan</a:t>
-            </a:r>
-            <a:br>
-              <a:rPr lang="hu-HU" sz="2800" dirty="0"/>
-            </a:br>
-            <a:r>
-              <a:rPr lang="hu-HU" sz="2800" dirty="0"/>
-              <a:t>osztályozási feladat</a:t>
+              <a:t>Többosztályos, kiegyensúlyozatlan osztályozási feladat</a:t>
             </a:r>
           </a:p>
         </p:txBody>
@@ -16738,6 +18175,1940 @@
     <p:extLst>
       <p:ext uri="{BB962C8B-B14F-4D97-AF65-F5344CB8AC3E}">
         <p14:creationId xmlns:p14="http://schemas.microsoft.com/office/powerpoint/2010/main" val="94270093"/>
+      </p:ext>
+    </p:extLst>
+  </p:cSld>
+  <p:clrMapOvr>
+    <a:masterClrMapping/>
+  </p:clrMapOvr>
+</p:sld>
+</file>
+
+<file path=ppt/slides/slide20.xml><?xml version="1.0" encoding="utf-8"?>
+<p:sld xmlns:a="http://schemas.openxmlformats.org/drawingml/2006/main" xmlns:r="http://schemas.openxmlformats.org/officeDocument/2006/relationships" xmlns:p="http://schemas.openxmlformats.org/presentationml/2006/main">
+  <p:cSld>
+    <p:spTree>
+      <p:nvGrpSpPr>
+        <p:cNvPr id="1" name=""/>
+        <p:cNvGrpSpPr/>
+        <p:nvPr/>
+      </p:nvGrpSpPr>
+      <p:grpSpPr>
+        <a:xfrm>
+          <a:off x="0" y="0"/>
+          <a:ext cx="0" cy="0"/>
+          <a:chOff x="0" y="0"/>
+          <a:chExt cx="0" cy="0"/>
+        </a:xfrm>
+      </p:grpSpPr>
+      <p:sp>
+        <p:nvSpPr>
+          <p:cNvPr id="2" name="Title 1">
+            <a:extLst>
+              <a:ext uri="{FF2B5EF4-FFF2-40B4-BE49-F238E27FC236}">
+                <a16:creationId xmlns:a16="http://schemas.microsoft.com/office/drawing/2014/main" id="{23B13F8F-D98B-4F72-B776-6DD0F2980669}"/>
+              </a:ext>
+            </a:extLst>
+          </p:cNvPr>
+          <p:cNvSpPr>
+            <a:spLocks noGrp="1"/>
+          </p:cNvSpPr>
+          <p:nvPr>
+            <p:ph type="title"/>
+          </p:nvPr>
+        </p:nvSpPr>
+        <p:spPr>
+          <a:xfrm>
+            <a:off x="448483" y="-248255"/>
+            <a:ext cx="10325000" cy="1442463"/>
+          </a:xfrm>
+        </p:spPr>
+        <p:txBody>
+          <a:bodyPr/>
+          <a:lstStyle/>
+          <a:p>
+            <a:r>
+              <a:rPr lang="hu-HU" dirty="0"/>
+              <a:t>Szétbontott 5 jegy modell</a:t>
+            </a:r>
+            <a:endParaRPr lang="en-US" dirty="0"/>
+          </a:p>
+        </p:txBody>
+      </p:sp>
+      <p:sp>
+        <p:nvSpPr>
+          <p:cNvPr id="3" name="Content Placeholder 2">
+            <a:extLst>
+              <a:ext uri="{FF2B5EF4-FFF2-40B4-BE49-F238E27FC236}">
+                <a16:creationId xmlns:a16="http://schemas.microsoft.com/office/drawing/2014/main" id="{76E503F1-85F5-4ADB-82FC-35DFAAE508F3}"/>
+              </a:ext>
+            </a:extLst>
+          </p:cNvPr>
+          <p:cNvSpPr>
+            <a:spLocks noGrp="1"/>
+          </p:cNvSpPr>
+          <p:nvPr>
+            <p:ph idx="1"/>
+          </p:nvPr>
+        </p:nvSpPr>
+        <p:spPr>
+          <a:xfrm>
+            <a:off x="691079" y="1836792"/>
+            <a:ext cx="10325000" cy="3564436"/>
+          </a:xfrm>
+        </p:spPr>
+        <p:txBody>
+          <a:bodyPr>
+            <a:normAutofit/>
+          </a:bodyPr>
+          <a:lstStyle/>
+          <a:p>
+            <a:pPr>
+              <a:buFont typeface="Arial" panose="020B0604020202020204" pitchFamily="34" charset="0"/>
+              <a:buChar char="•"/>
+            </a:pPr>
+            <a:r>
+              <a:rPr lang="hu-HU" sz="2800" dirty="0"/>
+              <a:t>Csak a vegyész-</a:t>
+            </a:r>
+            <a:br>
+              <a:rPr lang="hu-HU" sz="2800" dirty="0"/>
+            </a:br>
+            <a:r>
+              <a:rPr lang="hu-HU" sz="2800" dirty="0"/>
+              <a:t>és </a:t>
+            </a:r>
+            <a:r>
+              <a:rPr lang="hu-HU" sz="2800" dirty="0" err="1"/>
+              <a:t>biomérnökökre</a:t>
+            </a:r>
+            <a:br>
+              <a:rPr lang="hu-HU" sz="2800" dirty="0"/>
+            </a:br>
+            <a:r>
+              <a:rPr lang="hu-HU" sz="2800" dirty="0"/>
+              <a:t>vizsgáltuk</a:t>
+            </a:r>
+          </a:p>
+        </p:txBody>
+      </p:sp>
+      <p:pic>
+        <p:nvPicPr>
+          <p:cNvPr id="4" name="Picture 3" descr="Text&#10;&#10;Description automatically generated">
+            <a:extLst>
+              <a:ext uri="{FF2B5EF4-FFF2-40B4-BE49-F238E27FC236}">
+                <a16:creationId xmlns:a16="http://schemas.microsoft.com/office/drawing/2014/main" id="{B6F2116B-4927-4352-B7E1-1097704B189D}"/>
+              </a:ext>
+            </a:extLst>
+          </p:cNvPr>
+          <p:cNvPicPr>
+            <a:picLocks noChangeAspect="1"/>
+          </p:cNvPicPr>
+          <p:nvPr/>
+        </p:nvPicPr>
+        <p:blipFill>
+          <a:blip r:embed="rId2">
+            <a:extLst>
+              <a:ext uri="{28A0092B-C50C-407E-A947-70E740481C1C}">
+                <a14:useLocalDpi xmlns:a14="http://schemas.microsoft.com/office/drawing/2010/main" val="0"/>
+              </a:ext>
+            </a:extLst>
+          </a:blip>
+          <a:stretch>
+            <a:fillRect/>
+          </a:stretch>
+        </p:blipFill>
+        <p:spPr>
+          <a:xfrm>
+            <a:off x="4788398" y="1835745"/>
+            <a:ext cx="3310573" cy="3598449"/>
+          </a:xfrm>
+          <a:prstGeom prst="rect">
+            <a:avLst/>
+          </a:prstGeom>
+          <a:ln>
+            <a:solidFill>
+              <a:schemeClr val="tx1"/>
+            </a:solidFill>
+          </a:ln>
+        </p:spPr>
+      </p:pic>
+      <p:pic>
+        <p:nvPicPr>
+          <p:cNvPr id="5" name="Picture 4" descr="Text&#10;&#10;Description automatically generated">
+            <a:extLst>
+              <a:ext uri="{FF2B5EF4-FFF2-40B4-BE49-F238E27FC236}">
+                <a16:creationId xmlns:a16="http://schemas.microsoft.com/office/drawing/2014/main" id="{11D2433B-55B4-4E84-954A-3C650C477D40}"/>
+              </a:ext>
+            </a:extLst>
+          </p:cNvPr>
+          <p:cNvPicPr>
+            <a:picLocks noChangeAspect="1"/>
+          </p:cNvPicPr>
+          <p:nvPr/>
+        </p:nvPicPr>
+        <p:blipFill>
+          <a:blip r:embed="rId3">
+            <a:extLst>
+              <a:ext uri="{28A0092B-C50C-407E-A947-70E740481C1C}">
+                <a14:useLocalDpi xmlns:a14="http://schemas.microsoft.com/office/drawing/2010/main" val="0"/>
+              </a:ext>
+            </a:extLst>
+          </a:blip>
+          <a:stretch>
+            <a:fillRect/>
+          </a:stretch>
+        </p:blipFill>
+        <p:spPr>
+          <a:xfrm>
+            <a:off x="8576746" y="1835745"/>
+            <a:ext cx="3310573" cy="3599496"/>
+          </a:xfrm>
+          <a:prstGeom prst="rect">
+            <a:avLst/>
+          </a:prstGeom>
+          <a:ln>
+            <a:solidFill>
+              <a:schemeClr val="tx1"/>
+            </a:solidFill>
+          </a:ln>
+        </p:spPr>
+      </p:pic>
+      <p:sp>
+        <p:nvSpPr>
+          <p:cNvPr id="6" name="TextBox 5">
+            <a:extLst>
+              <a:ext uri="{FF2B5EF4-FFF2-40B4-BE49-F238E27FC236}">
+                <a16:creationId xmlns:a16="http://schemas.microsoft.com/office/drawing/2014/main" id="{582601C2-EDAE-4C6F-9DD5-F87ADB939654}"/>
+              </a:ext>
+            </a:extLst>
+          </p:cNvPr>
+          <p:cNvSpPr txBox="1"/>
+          <p:nvPr/>
+        </p:nvSpPr>
+        <p:spPr>
+          <a:xfrm>
+            <a:off x="5055490" y="1456772"/>
+            <a:ext cx="2081019" cy="369332"/>
+          </a:xfrm>
+          <a:prstGeom prst="rect">
+            <a:avLst/>
+          </a:prstGeom>
+          <a:noFill/>
+        </p:spPr>
+        <p:txBody>
+          <a:bodyPr wrap="none" rtlCol="0">
+            <a:spAutoFit/>
+          </a:bodyPr>
+          <a:lstStyle/>
+          <a:p>
+            <a:r>
+              <a:rPr lang="hu-HU" dirty="0"/>
+              <a:t>Vegyészmérnökök</a:t>
+            </a:r>
+            <a:endParaRPr lang="en-US" dirty="0"/>
+          </a:p>
+        </p:txBody>
+      </p:sp>
+      <p:sp>
+        <p:nvSpPr>
+          <p:cNvPr id="7" name="TextBox 6">
+            <a:extLst>
+              <a:ext uri="{FF2B5EF4-FFF2-40B4-BE49-F238E27FC236}">
+                <a16:creationId xmlns:a16="http://schemas.microsoft.com/office/drawing/2014/main" id="{1B19F886-2F20-42AD-ACE9-00C876AFAF39}"/>
+              </a:ext>
+            </a:extLst>
+          </p:cNvPr>
+          <p:cNvSpPr txBox="1"/>
+          <p:nvPr/>
+        </p:nvSpPr>
+        <p:spPr>
+          <a:xfrm>
+            <a:off x="9041512" y="1456772"/>
+            <a:ext cx="1563248" cy="369332"/>
+          </a:xfrm>
+          <a:prstGeom prst="rect">
+            <a:avLst/>
+          </a:prstGeom>
+          <a:noFill/>
+        </p:spPr>
+        <p:txBody>
+          <a:bodyPr wrap="none" rtlCol="0">
+            <a:spAutoFit/>
+          </a:bodyPr>
+          <a:lstStyle/>
+          <a:p>
+            <a:r>
+              <a:rPr lang="hu-HU" dirty="0" err="1"/>
+              <a:t>Biomérnökök</a:t>
+            </a:r>
+            <a:endParaRPr lang="en-US" dirty="0"/>
+          </a:p>
+        </p:txBody>
+      </p:sp>
+      <p:sp>
+        <p:nvSpPr>
+          <p:cNvPr id="8" name="TextBox 7">
+            <a:extLst>
+              <a:ext uri="{FF2B5EF4-FFF2-40B4-BE49-F238E27FC236}">
+                <a16:creationId xmlns:a16="http://schemas.microsoft.com/office/drawing/2014/main" id="{5F856217-198F-4AD5-B6B1-6EFE223F24AF}"/>
+              </a:ext>
+            </a:extLst>
+          </p:cNvPr>
+          <p:cNvSpPr txBox="1"/>
+          <p:nvPr/>
+        </p:nvSpPr>
+        <p:spPr>
+          <a:xfrm>
+            <a:off x="4615485" y="5720646"/>
+            <a:ext cx="6966972" cy="646331"/>
+          </a:xfrm>
+          <a:prstGeom prst="rect">
+            <a:avLst/>
+          </a:prstGeom>
+          <a:noFill/>
+        </p:spPr>
+        <p:txBody>
+          <a:bodyPr wrap="none" rtlCol="0">
+            <a:spAutoFit/>
+          </a:bodyPr>
+          <a:lstStyle/>
+          <a:p>
+            <a:pPr marL="285750" indent="-285750">
+              <a:buFontTx/>
+              <a:buChar char="-"/>
+            </a:pPr>
+            <a:r>
+              <a:rPr lang="hu-HU" dirty="0" err="1"/>
+              <a:t>Biomérnököknél</a:t>
+            </a:r>
+            <a:r>
+              <a:rPr lang="hu-HU" dirty="0"/>
+              <a:t> főkomponensek használatával tudunk javítani</a:t>
+            </a:r>
+          </a:p>
+          <a:p>
+            <a:r>
+              <a:rPr lang="hu-HU" dirty="0"/>
+              <a:t>     a logisztikus regresszió pontosságán</a:t>
+            </a:r>
+            <a:endParaRPr lang="en-US" dirty="0"/>
+          </a:p>
+        </p:txBody>
+      </p:sp>
+    </p:spTree>
+    <p:extLst>
+      <p:ext uri="{BB962C8B-B14F-4D97-AF65-F5344CB8AC3E}">
+        <p14:creationId xmlns:p14="http://schemas.microsoft.com/office/powerpoint/2010/main" val="3012651125"/>
+      </p:ext>
+    </p:extLst>
+  </p:cSld>
+  <p:clrMapOvr>
+    <a:masterClrMapping/>
+  </p:clrMapOvr>
+</p:sld>
+</file>
+
+<file path=ppt/slides/slide21.xml><?xml version="1.0" encoding="utf-8"?>
+<p:sld xmlns:a="http://schemas.openxmlformats.org/drawingml/2006/main" xmlns:r="http://schemas.openxmlformats.org/officeDocument/2006/relationships" xmlns:p="http://schemas.openxmlformats.org/presentationml/2006/main">
+  <p:cSld>
+    <p:spTree>
+      <p:nvGrpSpPr>
+        <p:cNvPr id="1" name=""/>
+        <p:cNvGrpSpPr/>
+        <p:nvPr/>
+      </p:nvGrpSpPr>
+      <p:grpSpPr>
+        <a:xfrm>
+          <a:off x="0" y="0"/>
+          <a:ext cx="0" cy="0"/>
+          <a:chOff x="0" y="0"/>
+          <a:chExt cx="0" cy="0"/>
+        </a:xfrm>
+      </p:grpSpPr>
+      <p:sp>
+        <p:nvSpPr>
+          <p:cNvPr id="2" name="Title 1">
+            <a:extLst>
+              <a:ext uri="{FF2B5EF4-FFF2-40B4-BE49-F238E27FC236}">
+                <a16:creationId xmlns:a16="http://schemas.microsoft.com/office/drawing/2014/main" id="{278A1270-67AB-42A7-A77C-026DF10B7CD0}"/>
+              </a:ext>
+            </a:extLst>
+          </p:cNvPr>
+          <p:cNvSpPr>
+            <a:spLocks noGrp="1"/>
+          </p:cNvSpPr>
+          <p:nvPr>
+            <p:ph type="title"/>
+          </p:nvPr>
+        </p:nvSpPr>
+        <p:spPr>
+          <a:xfrm>
+            <a:off x="656154" y="-400177"/>
+            <a:ext cx="10325000" cy="1442463"/>
+          </a:xfrm>
+        </p:spPr>
+        <p:txBody>
+          <a:bodyPr/>
+          <a:lstStyle/>
+          <a:p>
+            <a:r>
+              <a:rPr lang="hu-HU" dirty="0"/>
+              <a:t>PCA a szétbontott 5 jegy modellre</a:t>
+            </a:r>
+            <a:endParaRPr lang="en-US" dirty="0"/>
+          </a:p>
+        </p:txBody>
+      </p:sp>
+      <p:sp>
+        <p:nvSpPr>
+          <p:cNvPr id="3" name="Content Placeholder 2">
+            <a:extLst>
+              <a:ext uri="{FF2B5EF4-FFF2-40B4-BE49-F238E27FC236}">
+                <a16:creationId xmlns:a16="http://schemas.microsoft.com/office/drawing/2014/main" id="{2905C443-E47E-4B25-9EC6-38BEA28283F9}"/>
+              </a:ext>
+            </a:extLst>
+          </p:cNvPr>
+          <p:cNvSpPr>
+            <a:spLocks noGrp="1"/>
+          </p:cNvSpPr>
+          <p:nvPr>
+            <p:ph idx="1"/>
+          </p:nvPr>
+        </p:nvSpPr>
+        <p:spPr/>
+        <p:txBody>
+          <a:bodyPr/>
+          <a:lstStyle/>
+          <a:p>
+            <a:endParaRPr lang="en-US" dirty="0"/>
+          </a:p>
+        </p:txBody>
+      </p:sp>
+      <p:pic>
+        <p:nvPicPr>
+          <p:cNvPr id="5" name="Picture 4">
+            <a:extLst>
+              <a:ext uri="{FF2B5EF4-FFF2-40B4-BE49-F238E27FC236}">
+                <a16:creationId xmlns:a16="http://schemas.microsoft.com/office/drawing/2014/main" id="{ACA3D432-C4BA-4076-97F5-F04F1B02658D}"/>
+              </a:ext>
+            </a:extLst>
+          </p:cNvPr>
+          <p:cNvPicPr>
+            <a:picLocks noChangeAspect="1"/>
+          </p:cNvPicPr>
+          <p:nvPr/>
+        </p:nvPicPr>
+        <p:blipFill>
+          <a:blip r:embed="rId2"/>
+          <a:stretch>
+            <a:fillRect/>
+          </a:stretch>
+        </p:blipFill>
+        <p:spPr>
+          <a:xfrm>
+            <a:off x="602165" y="1349062"/>
+            <a:ext cx="7624193" cy="2492119"/>
+          </a:xfrm>
+          <a:prstGeom prst="rect">
+            <a:avLst/>
+          </a:prstGeom>
+          <a:ln>
+            <a:solidFill>
+              <a:schemeClr val="tx1"/>
+            </a:solidFill>
+          </a:ln>
+        </p:spPr>
+      </p:pic>
+      <p:pic>
+        <p:nvPicPr>
+          <p:cNvPr id="7" name="Picture 6">
+            <a:extLst>
+              <a:ext uri="{FF2B5EF4-FFF2-40B4-BE49-F238E27FC236}">
+                <a16:creationId xmlns:a16="http://schemas.microsoft.com/office/drawing/2014/main" id="{4818F913-FFA1-409C-9B2D-197EE416F567}"/>
+              </a:ext>
+            </a:extLst>
+          </p:cNvPr>
+          <p:cNvPicPr>
+            <a:picLocks noChangeAspect="1"/>
+          </p:cNvPicPr>
+          <p:nvPr/>
+        </p:nvPicPr>
+        <p:blipFill>
+          <a:blip r:embed="rId3"/>
+          <a:stretch>
+            <a:fillRect/>
+          </a:stretch>
+        </p:blipFill>
+        <p:spPr>
+          <a:xfrm>
+            <a:off x="656154" y="4038802"/>
+            <a:ext cx="7570204" cy="2492119"/>
+          </a:xfrm>
+          <a:prstGeom prst="rect">
+            <a:avLst/>
+          </a:prstGeom>
+          <a:ln>
+            <a:solidFill>
+              <a:schemeClr val="tx1"/>
+            </a:solidFill>
+          </a:ln>
+        </p:spPr>
+      </p:pic>
+      <p:sp>
+        <p:nvSpPr>
+          <p:cNvPr id="8" name="TextBox 7">
+            <a:extLst>
+              <a:ext uri="{FF2B5EF4-FFF2-40B4-BE49-F238E27FC236}">
+                <a16:creationId xmlns:a16="http://schemas.microsoft.com/office/drawing/2014/main" id="{CD6FAA91-2F5F-467B-B757-C10FD2AE3B1E}"/>
+              </a:ext>
+            </a:extLst>
+          </p:cNvPr>
+          <p:cNvSpPr txBox="1"/>
+          <p:nvPr/>
+        </p:nvSpPr>
+        <p:spPr>
+          <a:xfrm>
+            <a:off x="8401602" y="2518119"/>
+            <a:ext cx="2579552" cy="369332"/>
+          </a:xfrm>
+          <a:prstGeom prst="rect">
+            <a:avLst/>
+          </a:prstGeom>
+          <a:noFill/>
+        </p:spPr>
+        <p:txBody>
+          <a:bodyPr wrap="none" rtlCol="0">
+            <a:spAutoFit/>
+          </a:bodyPr>
+          <a:lstStyle/>
+          <a:p>
+            <a:r>
+              <a:rPr lang="hu-HU" dirty="0"/>
+              <a:t>- Vegyészmérnököknél</a:t>
+            </a:r>
+            <a:endParaRPr lang="en-US" dirty="0"/>
+          </a:p>
+        </p:txBody>
+      </p:sp>
+      <p:sp>
+        <p:nvSpPr>
+          <p:cNvPr id="9" name="TextBox 8">
+            <a:extLst>
+              <a:ext uri="{FF2B5EF4-FFF2-40B4-BE49-F238E27FC236}">
+                <a16:creationId xmlns:a16="http://schemas.microsoft.com/office/drawing/2014/main" id="{D48C1AB5-4D39-4D79-A88F-60FCBBD40018}"/>
+              </a:ext>
+            </a:extLst>
+          </p:cNvPr>
+          <p:cNvSpPr txBox="1"/>
+          <p:nvPr/>
+        </p:nvSpPr>
+        <p:spPr>
+          <a:xfrm>
+            <a:off x="8539993" y="5285064"/>
+            <a:ext cx="2061783" cy="369332"/>
+          </a:xfrm>
+          <a:prstGeom prst="rect">
+            <a:avLst/>
+          </a:prstGeom>
+          <a:noFill/>
+        </p:spPr>
+        <p:txBody>
+          <a:bodyPr wrap="none" rtlCol="0">
+            <a:spAutoFit/>
+          </a:bodyPr>
+          <a:lstStyle/>
+          <a:p>
+            <a:r>
+              <a:rPr lang="hu-HU" dirty="0"/>
+              <a:t>- </a:t>
+            </a:r>
+            <a:r>
+              <a:rPr lang="hu-HU" dirty="0" err="1"/>
+              <a:t>Biomérnököknél</a:t>
+            </a:r>
+            <a:endParaRPr lang="en-US" dirty="0"/>
+          </a:p>
+        </p:txBody>
+      </p:sp>
+    </p:spTree>
+    <p:extLst>
+      <p:ext uri="{BB962C8B-B14F-4D97-AF65-F5344CB8AC3E}">
+        <p14:creationId xmlns:p14="http://schemas.microsoft.com/office/powerpoint/2010/main" val="439228518"/>
+      </p:ext>
+    </p:extLst>
+  </p:cSld>
+  <p:clrMapOvr>
+    <a:masterClrMapping/>
+  </p:clrMapOvr>
+</p:sld>
+</file>
+
+<file path=ppt/slides/slide22.xml><?xml version="1.0" encoding="utf-8"?>
+<p:sld xmlns:a="http://schemas.openxmlformats.org/drawingml/2006/main" xmlns:r="http://schemas.openxmlformats.org/officeDocument/2006/relationships" xmlns:p="http://schemas.openxmlformats.org/presentationml/2006/main">
+  <p:cSld>
+    <p:spTree>
+      <p:nvGrpSpPr>
+        <p:cNvPr id="1" name=""/>
+        <p:cNvGrpSpPr/>
+        <p:nvPr/>
+      </p:nvGrpSpPr>
+      <p:grpSpPr>
+        <a:xfrm>
+          <a:off x="0" y="0"/>
+          <a:ext cx="0" cy="0"/>
+          <a:chOff x="0" y="0"/>
+          <a:chExt cx="0" cy="0"/>
+        </a:xfrm>
+      </p:grpSpPr>
+      <p:sp>
+        <p:nvSpPr>
+          <p:cNvPr id="2" name="Title 1">
+            <a:extLst>
+              <a:ext uri="{FF2B5EF4-FFF2-40B4-BE49-F238E27FC236}">
+                <a16:creationId xmlns:a16="http://schemas.microsoft.com/office/drawing/2014/main" id="{012EAAB8-CDCB-4A92-B532-2FCB2740741E}"/>
+              </a:ext>
+            </a:extLst>
+          </p:cNvPr>
+          <p:cNvSpPr>
+            <a:spLocks noGrp="1"/>
+          </p:cNvSpPr>
+          <p:nvPr>
+            <p:ph type="title"/>
+          </p:nvPr>
+        </p:nvSpPr>
+        <p:spPr>
+          <a:xfrm>
+            <a:off x="691079" y="1"/>
+            <a:ext cx="10325000" cy="1266738"/>
+          </a:xfrm>
+        </p:spPr>
+        <p:txBody>
+          <a:bodyPr/>
+          <a:lstStyle/>
+          <a:p>
+            <a:r>
+              <a:rPr lang="hu-HU" dirty="0"/>
+              <a:t>Szétbontott 3 csoport modell</a:t>
+            </a:r>
+            <a:endParaRPr lang="en-US" dirty="0"/>
+          </a:p>
+        </p:txBody>
+      </p:sp>
+      <p:sp>
+        <p:nvSpPr>
+          <p:cNvPr id="3" name="Content Placeholder 2">
+            <a:extLst>
+              <a:ext uri="{FF2B5EF4-FFF2-40B4-BE49-F238E27FC236}">
+                <a16:creationId xmlns:a16="http://schemas.microsoft.com/office/drawing/2014/main" id="{79242A1C-023D-4F95-BA16-118468C78973}"/>
+              </a:ext>
+            </a:extLst>
+          </p:cNvPr>
+          <p:cNvSpPr>
+            <a:spLocks noGrp="1"/>
+          </p:cNvSpPr>
+          <p:nvPr>
+            <p:ph idx="1"/>
+          </p:nvPr>
+        </p:nvSpPr>
+        <p:spPr/>
+        <p:txBody>
+          <a:bodyPr/>
+          <a:lstStyle/>
+          <a:p>
+            <a:endParaRPr lang="en-US" dirty="0"/>
+          </a:p>
+        </p:txBody>
+      </p:sp>
+      <p:pic>
+        <p:nvPicPr>
+          <p:cNvPr id="4" name="Picture 3" descr="Text&#10;&#10;Description automatically generated">
+            <a:extLst>
+              <a:ext uri="{FF2B5EF4-FFF2-40B4-BE49-F238E27FC236}">
+                <a16:creationId xmlns:a16="http://schemas.microsoft.com/office/drawing/2014/main" id="{EF2EAC1A-5F61-40DB-A92F-F7B28088CE7C}"/>
+              </a:ext>
+            </a:extLst>
+          </p:cNvPr>
+          <p:cNvPicPr>
+            <a:picLocks noChangeAspect="1"/>
+          </p:cNvPicPr>
+          <p:nvPr/>
+        </p:nvPicPr>
+        <p:blipFill>
+          <a:blip r:embed="rId2">
+            <a:extLst>
+              <a:ext uri="{28A0092B-C50C-407E-A947-70E740481C1C}">
+                <a14:useLocalDpi xmlns:a14="http://schemas.microsoft.com/office/drawing/2010/main" val="0"/>
+              </a:ext>
+            </a:extLst>
+          </a:blip>
+          <a:stretch>
+            <a:fillRect/>
+          </a:stretch>
+        </p:blipFill>
+        <p:spPr>
+          <a:xfrm>
+            <a:off x="1100420" y="2086918"/>
+            <a:ext cx="3393870" cy="3587805"/>
+          </a:xfrm>
+          <a:prstGeom prst="rect">
+            <a:avLst/>
+          </a:prstGeom>
+          <a:ln>
+            <a:solidFill>
+              <a:schemeClr val="tx1"/>
+            </a:solidFill>
+          </a:ln>
+        </p:spPr>
+      </p:pic>
+      <p:pic>
+        <p:nvPicPr>
+          <p:cNvPr id="5" name="Picture 4" descr="Text&#10;&#10;Description automatically generated">
+            <a:extLst>
+              <a:ext uri="{FF2B5EF4-FFF2-40B4-BE49-F238E27FC236}">
+                <a16:creationId xmlns:a16="http://schemas.microsoft.com/office/drawing/2014/main" id="{8FB5C4DB-5694-4638-A86C-379FE7BD6C34}"/>
+              </a:ext>
+            </a:extLst>
+          </p:cNvPr>
+          <p:cNvPicPr>
+            <a:picLocks noChangeAspect="1"/>
+          </p:cNvPicPr>
+          <p:nvPr/>
+        </p:nvPicPr>
+        <p:blipFill>
+          <a:blip r:embed="rId3"/>
+          <a:stretch>
+            <a:fillRect/>
+          </a:stretch>
+        </p:blipFill>
+        <p:spPr>
+          <a:xfrm>
+            <a:off x="6702628" y="2028812"/>
+            <a:ext cx="3313826" cy="3601985"/>
+          </a:xfrm>
+          <a:prstGeom prst="rect">
+            <a:avLst/>
+          </a:prstGeom>
+          <a:ln>
+            <a:solidFill>
+              <a:schemeClr val="tx1"/>
+            </a:solidFill>
+          </a:ln>
+        </p:spPr>
+      </p:pic>
+      <p:sp>
+        <p:nvSpPr>
+          <p:cNvPr id="6" name="TextBox 5">
+            <a:extLst>
+              <a:ext uri="{FF2B5EF4-FFF2-40B4-BE49-F238E27FC236}">
+                <a16:creationId xmlns:a16="http://schemas.microsoft.com/office/drawing/2014/main" id="{404A418F-CBEC-4991-A6F1-FD9B3927E13C}"/>
+              </a:ext>
+            </a:extLst>
+          </p:cNvPr>
+          <p:cNvSpPr txBox="1"/>
+          <p:nvPr/>
+        </p:nvSpPr>
+        <p:spPr>
+          <a:xfrm>
+            <a:off x="1607445" y="1717586"/>
+            <a:ext cx="2081019" cy="369332"/>
+          </a:xfrm>
+          <a:prstGeom prst="rect">
+            <a:avLst/>
+          </a:prstGeom>
+          <a:noFill/>
+        </p:spPr>
+        <p:txBody>
+          <a:bodyPr wrap="none" rtlCol="0">
+            <a:spAutoFit/>
+          </a:bodyPr>
+          <a:lstStyle/>
+          <a:p>
+            <a:r>
+              <a:rPr lang="hu-HU" dirty="0"/>
+              <a:t>Vegyészmérnökök</a:t>
+            </a:r>
+            <a:endParaRPr lang="en-US" dirty="0"/>
+          </a:p>
+        </p:txBody>
+      </p:sp>
+      <p:sp>
+        <p:nvSpPr>
+          <p:cNvPr id="7" name="TextBox 6">
+            <a:extLst>
+              <a:ext uri="{FF2B5EF4-FFF2-40B4-BE49-F238E27FC236}">
+                <a16:creationId xmlns:a16="http://schemas.microsoft.com/office/drawing/2014/main" id="{8FBBF288-CA44-4877-94D8-177677B4295E}"/>
+              </a:ext>
+            </a:extLst>
+          </p:cNvPr>
+          <p:cNvSpPr txBox="1"/>
+          <p:nvPr/>
+        </p:nvSpPr>
+        <p:spPr>
+          <a:xfrm>
+            <a:off x="7449424" y="1642396"/>
+            <a:ext cx="1563248" cy="369332"/>
+          </a:xfrm>
+          <a:prstGeom prst="rect">
+            <a:avLst/>
+          </a:prstGeom>
+          <a:noFill/>
+        </p:spPr>
+        <p:txBody>
+          <a:bodyPr wrap="none" rtlCol="0">
+            <a:spAutoFit/>
+          </a:bodyPr>
+          <a:lstStyle/>
+          <a:p>
+            <a:r>
+              <a:rPr lang="hu-HU" dirty="0" err="1"/>
+              <a:t>Biomérnökök</a:t>
+            </a:r>
+            <a:endParaRPr lang="en-US" dirty="0"/>
+          </a:p>
+        </p:txBody>
+      </p:sp>
+      <p:sp>
+        <p:nvSpPr>
+          <p:cNvPr id="9" name="TextBox 8">
+            <a:extLst>
+              <a:ext uri="{FF2B5EF4-FFF2-40B4-BE49-F238E27FC236}">
+                <a16:creationId xmlns:a16="http://schemas.microsoft.com/office/drawing/2014/main" id="{ABB1E074-D927-48D7-94D9-D1A21193EC97}"/>
+              </a:ext>
+            </a:extLst>
+          </p:cNvPr>
+          <p:cNvSpPr txBox="1"/>
+          <p:nvPr/>
+        </p:nvSpPr>
+        <p:spPr>
+          <a:xfrm>
+            <a:off x="829607" y="5848571"/>
+            <a:ext cx="10047943" cy="646331"/>
+          </a:xfrm>
+          <a:prstGeom prst="rect">
+            <a:avLst/>
+          </a:prstGeom>
+          <a:noFill/>
+        </p:spPr>
+        <p:txBody>
+          <a:bodyPr wrap="none" rtlCol="0">
+            <a:spAutoFit/>
+          </a:bodyPr>
+          <a:lstStyle/>
+          <a:p>
+            <a:pPr marL="285750" indent="-285750">
+              <a:buFontTx/>
+              <a:buChar char="-"/>
+            </a:pPr>
+            <a:r>
+              <a:rPr lang="hu-HU" dirty="0"/>
+              <a:t>3 főkomponens használatával a regressziós algoritmusok pontossága vegyészeknél 0.86-ra,</a:t>
+            </a:r>
+            <a:br>
+              <a:rPr lang="hu-HU" dirty="0"/>
+            </a:br>
+            <a:r>
+              <a:rPr lang="hu-HU" dirty="0"/>
+              <a:t>   </a:t>
+            </a:r>
+            <a:r>
+              <a:rPr lang="hu-HU" dirty="0" err="1"/>
+              <a:t>biomérnököknél</a:t>
+            </a:r>
+            <a:r>
+              <a:rPr lang="hu-HU" dirty="0"/>
+              <a:t> 0.8-ra növelhető</a:t>
+            </a:r>
+          </a:p>
+        </p:txBody>
+      </p:sp>
+    </p:spTree>
+    <p:extLst>
+      <p:ext uri="{BB962C8B-B14F-4D97-AF65-F5344CB8AC3E}">
+        <p14:creationId xmlns:p14="http://schemas.microsoft.com/office/powerpoint/2010/main" val="223752067"/>
+      </p:ext>
+    </p:extLst>
+  </p:cSld>
+  <p:clrMapOvr>
+    <a:masterClrMapping/>
+  </p:clrMapOvr>
+</p:sld>
+</file>
+
+<file path=ppt/slides/slide23.xml><?xml version="1.0" encoding="utf-8"?>
+<p:sld xmlns:a="http://schemas.openxmlformats.org/drawingml/2006/main" xmlns:r="http://schemas.openxmlformats.org/officeDocument/2006/relationships" xmlns:p="http://schemas.openxmlformats.org/presentationml/2006/main">
+  <p:cSld>
+    <p:spTree>
+      <p:nvGrpSpPr>
+        <p:cNvPr id="1" name=""/>
+        <p:cNvGrpSpPr/>
+        <p:nvPr/>
+      </p:nvGrpSpPr>
+      <p:grpSpPr>
+        <a:xfrm>
+          <a:off x="0" y="0"/>
+          <a:ext cx="0" cy="0"/>
+          <a:chOff x="0" y="0"/>
+          <a:chExt cx="0" cy="0"/>
+        </a:xfrm>
+      </p:grpSpPr>
+      <p:sp>
+        <p:nvSpPr>
+          <p:cNvPr id="2" name="Title 1">
+            <a:extLst>
+              <a:ext uri="{FF2B5EF4-FFF2-40B4-BE49-F238E27FC236}">
+                <a16:creationId xmlns:a16="http://schemas.microsoft.com/office/drawing/2014/main" id="{DAF59E6C-0640-4BF7-A627-674E027F4ECA}"/>
+              </a:ext>
+            </a:extLst>
+          </p:cNvPr>
+          <p:cNvSpPr>
+            <a:spLocks noGrp="1"/>
+          </p:cNvSpPr>
+          <p:nvPr>
+            <p:ph type="title"/>
+          </p:nvPr>
+        </p:nvSpPr>
+        <p:spPr>
+          <a:xfrm>
+            <a:off x="572337" y="-360260"/>
+            <a:ext cx="10325000" cy="1442463"/>
+          </a:xfrm>
+        </p:spPr>
+        <p:txBody>
+          <a:bodyPr/>
+          <a:lstStyle/>
+          <a:p>
+            <a:r>
+              <a:rPr lang="hu-HU" dirty="0"/>
+              <a:t>PCA a szétbontott 3 csoport modellre</a:t>
+            </a:r>
+            <a:endParaRPr lang="en-US" dirty="0"/>
+          </a:p>
+        </p:txBody>
+      </p:sp>
+      <p:sp>
+        <p:nvSpPr>
+          <p:cNvPr id="3" name="Content Placeholder 2">
+            <a:extLst>
+              <a:ext uri="{FF2B5EF4-FFF2-40B4-BE49-F238E27FC236}">
+                <a16:creationId xmlns:a16="http://schemas.microsoft.com/office/drawing/2014/main" id="{EA8B5FA0-A78C-48D6-9241-1BBBAE6804C4}"/>
+              </a:ext>
+            </a:extLst>
+          </p:cNvPr>
+          <p:cNvSpPr>
+            <a:spLocks noGrp="1"/>
+          </p:cNvSpPr>
+          <p:nvPr>
+            <p:ph idx="1"/>
+          </p:nvPr>
+        </p:nvSpPr>
+        <p:spPr/>
+        <p:txBody>
+          <a:bodyPr/>
+          <a:lstStyle/>
+          <a:p>
+            <a:endParaRPr lang="en-US" dirty="0"/>
+          </a:p>
+        </p:txBody>
+      </p:sp>
+      <p:pic>
+        <p:nvPicPr>
+          <p:cNvPr id="5" name="Picture 4">
+            <a:extLst>
+              <a:ext uri="{FF2B5EF4-FFF2-40B4-BE49-F238E27FC236}">
+                <a16:creationId xmlns:a16="http://schemas.microsoft.com/office/drawing/2014/main" id="{619679BC-B2FE-4795-8EAA-A22436ADA31C}"/>
+              </a:ext>
+            </a:extLst>
+          </p:cNvPr>
+          <p:cNvPicPr>
+            <a:picLocks noChangeAspect="1"/>
+          </p:cNvPicPr>
+          <p:nvPr/>
+        </p:nvPicPr>
+        <p:blipFill>
+          <a:blip r:embed="rId2"/>
+          <a:stretch>
+            <a:fillRect/>
+          </a:stretch>
+        </p:blipFill>
+        <p:spPr>
+          <a:xfrm>
+            <a:off x="585934" y="1187180"/>
+            <a:ext cx="7492578" cy="2511364"/>
+          </a:xfrm>
+          <a:prstGeom prst="rect">
+            <a:avLst/>
+          </a:prstGeom>
+          <a:ln>
+            <a:solidFill>
+              <a:schemeClr val="tx1"/>
+            </a:solidFill>
+          </a:ln>
+        </p:spPr>
+      </p:pic>
+      <p:pic>
+        <p:nvPicPr>
+          <p:cNvPr id="7" name="Picture 6">
+            <a:extLst>
+              <a:ext uri="{FF2B5EF4-FFF2-40B4-BE49-F238E27FC236}">
+                <a16:creationId xmlns:a16="http://schemas.microsoft.com/office/drawing/2014/main" id="{91EEBFE3-241D-4DF6-B203-C48AC9442B8C}"/>
+              </a:ext>
+            </a:extLst>
+          </p:cNvPr>
+          <p:cNvPicPr>
+            <a:picLocks noChangeAspect="1"/>
+          </p:cNvPicPr>
+          <p:nvPr/>
+        </p:nvPicPr>
+        <p:blipFill>
+          <a:blip r:embed="rId3"/>
+          <a:stretch>
+            <a:fillRect/>
+          </a:stretch>
+        </p:blipFill>
+        <p:spPr>
+          <a:xfrm>
+            <a:off x="585933" y="3993000"/>
+            <a:ext cx="7533377" cy="2483301"/>
+          </a:xfrm>
+          <a:prstGeom prst="rect">
+            <a:avLst/>
+          </a:prstGeom>
+          <a:ln>
+            <a:solidFill>
+              <a:schemeClr val="tx1"/>
+            </a:solidFill>
+          </a:ln>
+        </p:spPr>
+      </p:pic>
+      <p:sp>
+        <p:nvSpPr>
+          <p:cNvPr id="8" name="TextBox 7">
+            <a:extLst>
+              <a:ext uri="{FF2B5EF4-FFF2-40B4-BE49-F238E27FC236}">
+                <a16:creationId xmlns:a16="http://schemas.microsoft.com/office/drawing/2014/main" id="{5D21F4CE-8E40-4B6F-8D94-26606DBA1893}"/>
+              </a:ext>
+            </a:extLst>
+          </p:cNvPr>
+          <p:cNvSpPr txBox="1"/>
+          <p:nvPr/>
+        </p:nvSpPr>
+        <p:spPr>
+          <a:xfrm>
+            <a:off x="8317785" y="2258196"/>
+            <a:ext cx="2579552" cy="369332"/>
+          </a:xfrm>
+          <a:prstGeom prst="rect">
+            <a:avLst/>
+          </a:prstGeom>
+          <a:noFill/>
+        </p:spPr>
+        <p:txBody>
+          <a:bodyPr wrap="none" rtlCol="0">
+            <a:spAutoFit/>
+          </a:bodyPr>
+          <a:lstStyle/>
+          <a:p>
+            <a:r>
+              <a:rPr lang="hu-HU" dirty="0"/>
+              <a:t>- Vegyészmérnököknél</a:t>
+            </a:r>
+            <a:endParaRPr lang="en-US" dirty="0"/>
+          </a:p>
+        </p:txBody>
+      </p:sp>
+      <p:sp>
+        <p:nvSpPr>
+          <p:cNvPr id="9" name="TextBox 8">
+            <a:extLst>
+              <a:ext uri="{FF2B5EF4-FFF2-40B4-BE49-F238E27FC236}">
+                <a16:creationId xmlns:a16="http://schemas.microsoft.com/office/drawing/2014/main" id="{135804B1-C4D7-4D1A-89CA-85AADC7B74BE}"/>
+              </a:ext>
+            </a:extLst>
+          </p:cNvPr>
+          <p:cNvSpPr txBox="1"/>
+          <p:nvPr/>
+        </p:nvSpPr>
+        <p:spPr>
+          <a:xfrm>
+            <a:off x="8337396" y="4850597"/>
+            <a:ext cx="2061783" cy="369332"/>
+          </a:xfrm>
+          <a:prstGeom prst="rect">
+            <a:avLst/>
+          </a:prstGeom>
+          <a:noFill/>
+        </p:spPr>
+        <p:txBody>
+          <a:bodyPr wrap="none" rtlCol="0">
+            <a:spAutoFit/>
+          </a:bodyPr>
+          <a:lstStyle/>
+          <a:p>
+            <a:r>
+              <a:rPr lang="hu-HU" dirty="0"/>
+              <a:t>- </a:t>
+            </a:r>
+            <a:r>
+              <a:rPr lang="hu-HU" dirty="0" err="1"/>
+              <a:t>Biomérnököknél</a:t>
+            </a:r>
+            <a:endParaRPr lang="en-US" dirty="0"/>
+          </a:p>
+        </p:txBody>
+      </p:sp>
+    </p:spTree>
+    <p:extLst>
+      <p:ext uri="{BB962C8B-B14F-4D97-AF65-F5344CB8AC3E}">
+        <p14:creationId xmlns:p14="http://schemas.microsoft.com/office/powerpoint/2010/main" val="1384045127"/>
+      </p:ext>
+    </p:extLst>
+  </p:cSld>
+  <p:clrMapOvr>
+    <a:masterClrMapping/>
+  </p:clrMapOvr>
+</p:sld>
+</file>
+
+<file path=ppt/slides/slide24.xml><?xml version="1.0" encoding="utf-8"?>
+<p:sld xmlns:a="http://schemas.openxmlformats.org/drawingml/2006/main" xmlns:r="http://schemas.openxmlformats.org/officeDocument/2006/relationships" xmlns:p="http://schemas.openxmlformats.org/presentationml/2006/main">
+  <p:cSld>
+    <p:spTree>
+      <p:nvGrpSpPr>
+        <p:cNvPr id="1" name=""/>
+        <p:cNvGrpSpPr/>
+        <p:nvPr/>
+      </p:nvGrpSpPr>
+      <p:grpSpPr>
+        <a:xfrm>
+          <a:off x="0" y="0"/>
+          <a:ext cx="0" cy="0"/>
+          <a:chOff x="0" y="0"/>
+          <a:chExt cx="0" cy="0"/>
+        </a:xfrm>
+      </p:grpSpPr>
+      <p:sp>
+        <p:nvSpPr>
+          <p:cNvPr id="2" name="Title 1">
+            <a:extLst>
+              <a:ext uri="{FF2B5EF4-FFF2-40B4-BE49-F238E27FC236}">
+                <a16:creationId xmlns:a16="http://schemas.microsoft.com/office/drawing/2014/main" id="{E6BECE97-9192-4E1A-BA98-4FF7BB7254D9}"/>
+              </a:ext>
+            </a:extLst>
+          </p:cNvPr>
+          <p:cNvSpPr>
+            <a:spLocks noGrp="1"/>
+          </p:cNvSpPr>
+          <p:nvPr>
+            <p:ph type="title"/>
+          </p:nvPr>
+        </p:nvSpPr>
+        <p:spPr>
+          <a:xfrm>
+            <a:off x="434166" y="-175689"/>
+            <a:ext cx="10325000" cy="1214981"/>
+          </a:xfrm>
+        </p:spPr>
+        <p:txBody>
+          <a:bodyPr/>
+          <a:lstStyle/>
+          <a:p>
+            <a:r>
+              <a:rPr lang="hu-HU" dirty="0"/>
+              <a:t>Vizuális kiértékelés</a:t>
+            </a:r>
+            <a:endParaRPr lang="en-US" dirty="0"/>
+          </a:p>
+        </p:txBody>
+      </p:sp>
+      <p:sp>
+        <p:nvSpPr>
+          <p:cNvPr id="3" name="Content Placeholder 2">
+            <a:extLst>
+              <a:ext uri="{FF2B5EF4-FFF2-40B4-BE49-F238E27FC236}">
+                <a16:creationId xmlns:a16="http://schemas.microsoft.com/office/drawing/2014/main" id="{3E0D1DB9-ADEF-4A13-89D7-AC1F52C5F3B7}"/>
+              </a:ext>
+            </a:extLst>
+          </p:cNvPr>
+          <p:cNvSpPr>
+            <a:spLocks noGrp="1"/>
+          </p:cNvSpPr>
+          <p:nvPr>
+            <p:ph idx="1"/>
+          </p:nvPr>
+        </p:nvSpPr>
+        <p:spPr/>
+        <p:txBody>
+          <a:bodyPr/>
+          <a:lstStyle/>
+          <a:p>
+            <a:endParaRPr lang="en-US" dirty="0"/>
+          </a:p>
+        </p:txBody>
+      </p:sp>
+      <p:pic>
+        <p:nvPicPr>
+          <p:cNvPr id="5" name="Picture 4">
+            <a:extLst>
+              <a:ext uri="{FF2B5EF4-FFF2-40B4-BE49-F238E27FC236}">
+                <a16:creationId xmlns:a16="http://schemas.microsoft.com/office/drawing/2014/main" id="{71324272-4CE5-4074-BDB6-8FF143554297}"/>
+              </a:ext>
+            </a:extLst>
+          </p:cNvPr>
+          <p:cNvPicPr>
+            <a:picLocks noChangeAspect="1"/>
+          </p:cNvPicPr>
+          <p:nvPr/>
+        </p:nvPicPr>
+        <p:blipFill>
+          <a:blip r:embed="rId2"/>
+          <a:stretch>
+            <a:fillRect/>
+          </a:stretch>
+        </p:blipFill>
+        <p:spPr>
+          <a:xfrm>
+            <a:off x="0" y="2232071"/>
+            <a:ext cx="6540760" cy="3948508"/>
+          </a:xfrm>
+          <a:prstGeom prst="rect">
+            <a:avLst/>
+          </a:prstGeom>
+        </p:spPr>
+      </p:pic>
+      <p:pic>
+        <p:nvPicPr>
+          <p:cNvPr id="7" name="Picture 6">
+            <a:extLst>
+              <a:ext uri="{FF2B5EF4-FFF2-40B4-BE49-F238E27FC236}">
+                <a16:creationId xmlns:a16="http://schemas.microsoft.com/office/drawing/2014/main" id="{EA1457FB-3EAA-4460-803B-6A458FD34976}"/>
+              </a:ext>
+            </a:extLst>
+          </p:cNvPr>
+          <p:cNvPicPr>
+            <a:picLocks noChangeAspect="1"/>
+          </p:cNvPicPr>
+          <p:nvPr/>
+        </p:nvPicPr>
+        <p:blipFill>
+          <a:blip r:embed="rId3"/>
+          <a:stretch>
+            <a:fillRect/>
+          </a:stretch>
+        </p:blipFill>
+        <p:spPr>
+          <a:xfrm>
+            <a:off x="5655389" y="953433"/>
+            <a:ext cx="6536611" cy="4258260"/>
+          </a:xfrm>
+          <a:prstGeom prst="rect">
+            <a:avLst/>
+          </a:prstGeom>
+        </p:spPr>
+      </p:pic>
+      <p:sp>
+        <p:nvSpPr>
+          <p:cNvPr id="8" name="TextBox 7">
+            <a:extLst>
+              <a:ext uri="{FF2B5EF4-FFF2-40B4-BE49-F238E27FC236}">
+                <a16:creationId xmlns:a16="http://schemas.microsoft.com/office/drawing/2014/main" id="{B0C0DB6D-0661-492E-AE0A-F738DE739506}"/>
+              </a:ext>
+            </a:extLst>
+          </p:cNvPr>
+          <p:cNvSpPr txBox="1"/>
+          <p:nvPr/>
+        </p:nvSpPr>
+        <p:spPr>
+          <a:xfrm>
+            <a:off x="632356" y="1166153"/>
+            <a:ext cx="4964310" cy="830997"/>
+          </a:xfrm>
+          <a:prstGeom prst="rect">
+            <a:avLst/>
+          </a:prstGeom>
+          <a:noFill/>
+        </p:spPr>
+        <p:txBody>
+          <a:bodyPr wrap="square" rtlCol="0">
+            <a:spAutoFit/>
+          </a:bodyPr>
+          <a:lstStyle/>
+          <a:p>
+            <a:r>
+              <a:rPr lang="hu-HU" sz="2400" dirty="0"/>
+              <a:t>- Pontosságok különböző adatmodelleken</a:t>
+            </a:r>
+            <a:endParaRPr lang="en-US" sz="2400" dirty="0"/>
+          </a:p>
+        </p:txBody>
+      </p:sp>
+    </p:spTree>
+    <p:extLst>
+      <p:ext uri="{BB962C8B-B14F-4D97-AF65-F5344CB8AC3E}">
+        <p14:creationId xmlns:p14="http://schemas.microsoft.com/office/powerpoint/2010/main" val="354546258"/>
+      </p:ext>
+    </p:extLst>
+  </p:cSld>
+  <p:clrMapOvr>
+    <a:masterClrMapping/>
+  </p:clrMapOvr>
+</p:sld>
+</file>
+
+<file path=ppt/slides/slide25.xml><?xml version="1.0" encoding="utf-8"?>
+<p:sld xmlns:a="http://schemas.openxmlformats.org/drawingml/2006/main" xmlns:r="http://schemas.openxmlformats.org/officeDocument/2006/relationships" xmlns:p="http://schemas.openxmlformats.org/presentationml/2006/main">
+  <p:cSld>
+    <p:spTree>
+      <p:nvGrpSpPr>
+        <p:cNvPr id="1" name=""/>
+        <p:cNvGrpSpPr/>
+        <p:nvPr/>
+      </p:nvGrpSpPr>
+      <p:grpSpPr>
+        <a:xfrm>
+          <a:off x="0" y="0"/>
+          <a:ext cx="0" cy="0"/>
+          <a:chOff x="0" y="0"/>
+          <a:chExt cx="0" cy="0"/>
+        </a:xfrm>
+      </p:grpSpPr>
+      <p:sp>
+        <p:nvSpPr>
+          <p:cNvPr id="2" name="Title 1">
+            <a:extLst>
+              <a:ext uri="{FF2B5EF4-FFF2-40B4-BE49-F238E27FC236}">
+                <a16:creationId xmlns:a16="http://schemas.microsoft.com/office/drawing/2014/main" id="{6C63CCB2-745C-4F76-A5BF-66F3C7E4AB7C}"/>
+              </a:ext>
+            </a:extLst>
+          </p:cNvPr>
+          <p:cNvSpPr>
+            <a:spLocks noGrp="1"/>
+          </p:cNvSpPr>
+          <p:nvPr>
+            <p:ph type="title"/>
+          </p:nvPr>
+        </p:nvSpPr>
+        <p:spPr>
+          <a:xfrm>
+            <a:off x="612064" y="1191237"/>
+            <a:ext cx="2475085" cy="1262676"/>
+          </a:xfrm>
+          <a:ln>
+            <a:solidFill>
+              <a:schemeClr val="tx1"/>
+            </a:solidFill>
+          </a:ln>
+        </p:spPr>
+        <p:txBody>
+          <a:bodyPr>
+            <a:normAutofit/>
+          </a:bodyPr>
+          <a:lstStyle/>
+          <a:p>
+            <a:r>
+              <a:rPr lang="hu-HU" sz="3600" dirty="0"/>
+              <a:t>- 5 jegy</a:t>
+            </a:r>
+            <a:br>
+              <a:rPr lang="hu-HU" sz="3600" dirty="0"/>
+            </a:br>
+            <a:r>
+              <a:rPr lang="hu-HU" sz="3600" dirty="0"/>
+              <a:t>modellek</a:t>
+            </a:r>
+            <a:endParaRPr lang="en-US" sz="3600" dirty="0"/>
+          </a:p>
+        </p:txBody>
+      </p:sp>
+      <p:sp>
+        <p:nvSpPr>
+          <p:cNvPr id="13" name="Content Placeholder 12">
+            <a:extLst>
+              <a:ext uri="{FF2B5EF4-FFF2-40B4-BE49-F238E27FC236}">
+                <a16:creationId xmlns:a16="http://schemas.microsoft.com/office/drawing/2014/main" id="{368945C6-D040-4201-9B70-768FA988EB1E}"/>
+              </a:ext>
+            </a:extLst>
+          </p:cNvPr>
+          <p:cNvSpPr>
+            <a:spLocks noGrp="1"/>
+          </p:cNvSpPr>
+          <p:nvPr>
+            <p:ph idx="1"/>
+          </p:nvPr>
+        </p:nvSpPr>
+        <p:spPr/>
+        <p:txBody>
+          <a:bodyPr/>
+          <a:lstStyle/>
+          <a:p>
+            <a:endParaRPr lang="en-US" dirty="0"/>
+          </a:p>
+        </p:txBody>
+      </p:sp>
+      <p:pic>
+        <p:nvPicPr>
+          <p:cNvPr id="17" name="Picture 16">
+            <a:extLst>
+              <a:ext uri="{FF2B5EF4-FFF2-40B4-BE49-F238E27FC236}">
+                <a16:creationId xmlns:a16="http://schemas.microsoft.com/office/drawing/2014/main" id="{8353A93A-B106-4801-88D4-A28B26C691F9}"/>
+              </a:ext>
+            </a:extLst>
+          </p:cNvPr>
+          <p:cNvPicPr>
+            <a:picLocks noChangeAspect="1"/>
+          </p:cNvPicPr>
+          <p:nvPr/>
+        </p:nvPicPr>
+        <p:blipFill>
+          <a:blip r:embed="rId2"/>
+          <a:stretch>
+            <a:fillRect/>
+          </a:stretch>
+        </p:blipFill>
+        <p:spPr>
+          <a:xfrm>
+            <a:off x="3481023" y="389958"/>
+            <a:ext cx="7535056" cy="2879956"/>
+          </a:xfrm>
+          <a:prstGeom prst="rect">
+            <a:avLst/>
+          </a:prstGeom>
+        </p:spPr>
+      </p:pic>
+      <p:pic>
+        <p:nvPicPr>
+          <p:cNvPr id="19" name="Picture 18">
+            <a:extLst>
+              <a:ext uri="{FF2B5EF4-FFF2-40B4-BE49-F238E27FC236}">
+                <a16:creationId xmlns:a16="http://schemas.microsoft.com/office/drawing/2014/main" id="{5B62B109-6867-4B75-A930-DF9BFD8F168E}"/>
+              </a:ext>
+            </a:extLst>
+          </p:cNvPr>
+          <p:cNvPicPr>
+            <a:picLocks noChangeAspect="1"/>
+          </p:cNvPicPr>
+          <p:nvPr/>
+        </p:nvPicPr>
+        <p:blipFill>
+          <a:blip r:embed="rId3"/>
+          <a:stretch>
+            <a:fillRect/>
+          </a:stretch>
+        </p:blipFill>
+        <p:spPr>
+          <a:xfrm>
+            <a:off x="3414319" y="3429000"/>
+            <a:ext cx="7817949" cy="3088979"/>
+          </a:xfrm>
+          <a:prstGeom prst="rect">
+            <a:avLst/>
+          </a:prstGeom>
+        </p:spPr>
+      </p:pic>
+    </p:spTree>
+    <p:extLst>
+      <p:ext uri="{BB962C8B-B14F-4D97-AF65-F5344CB8AC3E}">
+        <p14:creationId xmlns:p14="http://schemas.microsoft.com/office/powerpoint/2010/main" val="1915989636"/>
+      </p:ext>
+    </p:extLst>
+  </p:cSld>
+  <p:clrMapOvr>
+    <a:masterClrMapping/>
+  </p:clrMapOvr>
+</p:sld>
+</file>
+
+<file path=ppt/slides/slide26.xml><?xml version="1.0" encoding="utf-8"?>
+<p:sld xmlns:a="http://schemas.openxmlformats.org/drawingml/2006/main" xmlns:r="http://schemas.openxmlformats.org/officeDocument/2006/relationships" xmlns:p="http://schemas.openxmlformats.org/presentationml/2006/main">
+  <p:cSld>
+    <p:spTree>
+      <p:nvGrpSpPr>
+        <p:cNvPr id="1" name=""/>
+        <p:cNvGrpSpPr/>
+        <p:nvPr/>
+      </p:nvGrpSpPr>
+      <p:grpSpPr>
+        <a:xfrm>
+          <a:off x="0" y="0"/>
+          <a:ext cx="0" cy="0"/>
+          <a:chOff x="0" y="0"/>
+          <a:chExt cx="0" cy="0"/>
+        </a:xfrm>
+      </p:grpSpPr>
+      <p:sp>
+        <p:nvSpPr>
+          <p:cNvPr id="2" name="Title 1">
+            <a:extLst>
+              <a:ext uri="{FF2B5EF4-FFF2-40B4-BE49-F238E27FC236}">
+                <a16:creationId xmlns:a16="http://schemas.microsoft.com/office/drawing/2014/main" id="{D9201E7B-5321-4674-89EC-9678D9E42FC2}"/>
+              </a:ext>
+            </a:extLst>
+          </p:cNvPr>
+          <p:cNvSpPr>
+            <a:spLocks noGrp="1"/>
+          </p:cNvSpPr>
+          <p:nvPr>
+            <p:ph type="title"/>
+          </p:nvPr>
+        </p:nvSpPr>
+        <p:spPr>
+          <a:xfrm>
+            <a:off x="548466" y="1199626"/>
+            <a:ext cx="2653020" cy="1196270"/>
+          </a:xfrm>
+          <a:ln>
+            <a:solidFill>
+              <a:schemeClr val="tx1"/>
+            </a:solidFill>
+          </a:ln>
+        </p:spPr>
+        <p:txBody>
+          <a:bodyPr>
+            <a:normAutofit/>
+          </a:bodyPr>
+          <a:lstStyle/>
+          <a:p>
+            <a:r>
+              <a:rPr lang="hu-HU" sz="3600" dirty="0"/>
+              <a:t>- 3 csoport</a:t>
+            </a:r>
+            <a:br>
+              <a:rPr lang="hu-HU" sz="3600" dirty="0"/>
+            </a:br>
+            <a:r>
+              <a:rPr lang="hu-HU" sz="3600" dirty="0"/>
+              <a:t>modellek</a:t>
+            </a:r>
+            <a:endParaRPr lang="en-US" sz="3600" dirty="0"/>
+          </a:p>
+        </p:txBody>
+      </p:sp>
+      <p:sp>
+        <p:nvSpPr>
+          <p:cNvPr id="3" name="Content Placeholder 2">
+            <a:extLst>
+              <a:ext uri="{FF2B5EF4-FFF2-40B4-BE49-F238E27FC236}">
+                <a16:creationId xmlns:a16="http://schemas.microsoft.com/office/drawing/2014/main" id="{457449D6-7FFC-4293-BABA-B3085C914F59}"/>
+              </a:ext>
+            </a:extLst>
+          </p:cNvPr>
+          <p:cNvSpPr>
+            <a:spLocks noGrp="1"/>
+          </p:cNvSpPr>
+          <p:nvPr>
+            <p:ph idx="1"/>
+          </p:nvPr>
+        </p:nvSpPr>
+        <p:spPr/>
+        <p:txBody>
+          <a:bodyPr/>
+          <a:lstStyle/>
+          <a:p>
+            <a:endParaRPr lang="en-US"/>
+          </a:p>
+        </p:txBody>
+      </p:sp>
+      <p:pic>
+        <p:nvPicPr>
+          <p:cNvPr id="5" name="Picture 4">
+            <a:extLst>
+              <a:ext uri="{FF2B5EF4-FFF2-40B4-BE49-F238E27FC236}">
+                <a16:creationId xmlns:a16="http://schemas.microsoft.com/office/drawing/2014/main" id="{178C21BB-6450-438A-8DB1-C56921B4C214}"/>
+              </a:ext>
+            </a:extLst>
+          </p:cNvPr>
+          <p:cNvPicPr>
+            <a:picLocks noChangeAspect="1"/>
+          </p:cNvPicPr>
+          <p:nvPr/>
+        </p:nvPicPr>
+        <p:blipFill>
+          <a:blip r:embed="rId2"/>
+          <a:stretch>
+            <a:fillRect/>
+          </a:stretch>
+        </p:blipFill>
+        <p:spPr>
+          <a:xfrm>
+            <a:off x="3389527" y="438334"/>
+            <a:ext cx="7814593" cy="2990666"/>
+          </a:xfrm>
+          <a:prstGeom prst="rect">
+            <a:avLst/>
+          </a:prstGeom>
+        </p:spPr>
+      </p:pic>
+      <p:pic>
+        <p:nvPicPr>
+          <p:cNvPr id="7" name="Picture 6">
+            <a:extLst>
+              <a:ext uri="{FF2B5EF4-FFF2-40B4-BE49-F238E27FC236}">
+                <a16:creationId xmlns:a16="http://schemas.microsoft.com/office/drawing/2014/main" id="{7EFA56F5-F059-4CF7-B3BD-E23163FA9489}"/>
+              </a:ext>
+            </a:extLst>
+          </p:cNvPr>
+          <p:cNvPicPr>
+            <a:picLocks noChangeAspect="1"/>
+          </p:cNvPicPr>
+          <p:nvPr/>
+        </p:nvPicPr>
+        <p:blipFill>
+          <a:blip r:embed="rId3"/>
+          <a:stretch>
+            <a:fillRect/>
+          </a:stretch>
+        </p:blipFill>
+        <p:spPr>
+          <a:xfrm>
+            <a:off x="3482833" y="3429000"/>
+            <a:ext cx="6678203" cy="2990666"/>
+          </a:xfrm>
+          <a:prstGeom prst="rect">
+            <a:avLst/>
+          </a:prstGeom>
+        </p:spPr>
+      </p:pic>
+    </p:spTree>
+    <p:extLst>
+      <p:ext uri="{BB962C8B-B14F-4D97-AF65-F5344CB8AC3E}">
+        <p14:creationId xmlns:p14="http://schemas.microsoft.com/office/powerpoint/2010/main" val="152079382"/>
+      </p:ext>
+    </p:extLst>
+  </p:cSld>
+  <p:clrMapOvr>
+    <a:masterClrMapping/>
+  </p:clrMapOvr>
+</p:sld>
+</file>
+
+<file path=ppt/slides/slide27.xml><?xml version="1.0" encoding="utf-8"?>
+<p:sld xmlns:a="http://schemas.openxmlformats.org/drawingml/2006/main" xmlns:r="http://schemas.openxmlformats.org/officeDocument/2006/relationships" xmlns:p="http://schemas.openxmlformats.org/presentationml/2006/main">
+  <p:cSld>
+    <p:spTree>
+      <p:nvGrpSpPr>
+        <p:cNvPr id="1" name=""/>
+        <p:cNvGrpSpPr/>
+        <p:nvPr/>
+      </p:nvGrpSpPr>
+      <p:grpSpPr>
+        <a:xfrm>
+          <a:off x="0" y="0"/>
+          <a:ext cx="0" cy="0"/>
+          <a:chOff x="0" y="0"/>
+          <a:chExt cx="0" cy="0"/>
+        </a:xfrm>
+      </p:grpSpPr>
+      <p:pic>
+        <p:nvPicPr>
+          <p:cNvPr id="5" name="Content Placeholder 4" descr="Chart&#10;&#10;Description automatically generated">
+            <a:extLst>
+              <a:ext uri="{FF2B5EF4-FFF2-40B4-BE49-F238E27FC236}">
+                <a16:creationId xmlns:a16="http://schemas.microsoft.com/office/drawing/2014/main" id="{5C6BD2F5-9C43-46A0-B69D-A83BE1B39A2D}"/>
+              </a:ext>
+            </a:extLst>
+          </p:cNvPr>
+          <p:cNvPicPr>
+            <a:picLocks noGrp="1" noChangeAspect="1"/>
+          </p:cNvPicPr>
+          <p:nvPr>
+            <p:ph idx="1"/>
+          </p:nvPr>
+        </p:nvPicPr>
+        <p:blipFill>
+          <a:blip r:embed="rId2">
+            <a:extLst>
+              <a:ext uri="{28A0092B-C50C-407E-A947-70E740481C1C}">
+                <a14:useLocalDpi xmlns:a14="http://schemas.microsoft.com/office/drawing/2010/main" val="0"/>
+              </a:ext>
+            </a:extLst>
+          </a:blip>
+          <a:stretch>
+            <a:fillRect/>
+          </a:stretch>
+        </p:blipFill>
+        <p:spPr>
+          <a:xfrm>
+            <a:off x="30208" y="517849"/>
+            <a:ext cx="12161792" cy="5822302"/>
+          </a:xfrm>
+        </p:spPr>
+      </p:pic>
+      <p:sp>
+        <p:nvSpPr>
+          <p:cNvPr id="7" name="Title 6">
+            <a:extLst>
+              <a:ext uri="{FF2B5EF4-FFF2-40B4-BE49-F238E27FC236}">
+                <a16:creationId xmlns:a16="http://schemas.microsoft.com/office/drawing/2014/main" id="{5533C935-E4ED-42D6-9B2A-E5E296AC6813}"/>
+              </a:ext>
+            </a:extLst>
+          </p:cNvPr>
+          <p:cNvSpPr>
+            <a:spLocks noGrp="1"/>
+          </p:cNvSpPr>
+          <p:nvPr>
+            <p:ph type="title"/>
+          </p:nvPr>
+        </p:nvSpPr>
+        <p:spPr/>
+        <p:txBody>
+          <a:bodyPr/>
+          <a:lstStyle/>
+          <a:p>
+            <a:endParaRPr lang="en-US"/>
+          </a:p>
+        </p:txBody>
+      </p:sp>
+    </p:spTree>
+    <p:extLst>
+      <p:ext uri="{BB962C8B-B14F-4D97-AF65-F5344CB8AC3E}">
+        <p14:creationId xmlns:p14="http://schemas.microsoft.com/office/powerpoint/2010/main" val="3412456089"/>
+      </p:ext>
+    </p:extLst>
+  </p:cSld>
+  <p:clrMapOvr>
+    <a:masterClrMapping/>
+  </p:clrMapOvr>
+</p:sld>
+</file>
+
+<file path=ppt/slides/slide28.xml><?xml version="1.0" encoding="utf-8"?>
+<p:sld xmlns:a="http://schemas.openxmlformats.org/drawingml/2006/main" xmlns:r="http://schemas.openxmlformats.org/officeDocument/2006/relationships" xmlns:p="http://schemas.openxmlformats.org/presentationml/2006/main">
+  <p:cSld>
+    <p:spTree>
+      <p:nvGrpSpPr>
+        <p:cNvPr id="1" name=""/>
+        <p:cNvGrpSpPr/>
+        <p:nvPr/>
+      </p:nvGrpSpPr>
+      <p:grpSpPr>
+        <a:xfrm>
+          <a:off x="0" y="0"/>
+          <a:ext cx="0" cy="0"/>
+          <a:chOff x="0" y="0"/>
+          <a:chExt cx="0" cy="0"/>
+        </a:xfrm>
+      </p:grpSpPr>
+      <p:sp>
+        <p:nvSpPr>
+          <p:cNvPr id="2" name="Title 1">
+            <a:extLst>
+              <a:ext uri="{FF2B5EF4-FFF2-40B4-BE49-F238E27FC236}">
+                <a16:creationId xmlns:a16="http://schemas.microsoft.com/office/drawing/2014/main" id="{85D4F580-730A-4BE9-BDAC-1B2518401700}"/>
+              </a:ext>
+            </a:extLst>
+          </p:cNvPr>
+          <p:cNvSpPr>
+            <a:spLocks noGrp="1"/>
+          </p:cNvSpPr>
+          <p:nvPr>
+            <p:ph type="title"/>
+          </p:nvPr>
+        </p:nvSpPr>
+        <p:spPr>
+          <a:xfrm>
+            <a:off x="691079" y="-171671"/>
+            <a:ext cx="10325000" cy="1442463"/>
+          </a:xfrm>
+        </p:spPr>
+        <p:txBody>
+          <a:bodyPr/>
+          <a:lstStyle/>
+          <a:p>
+            <a:r>
+              <a:rPr lang="hu-HU" dirty="0"/>
+              <a:t>Következtetések, használhatóság</a:t>
+            </a:r>
+            <a:endParaRPr lang="en-US" dirty="0"/>
+          </a:p>
+        </p:txBody>
+      </p:sp>
+      <p:sp>
+        <p:nvSpPr>
+          <p:cNvPr id="3" name="Content Placeholder 2">
+            <a:extLst>
+              <a:ext uri="{FF2B5EF4-FFF2-40B4-BE49-F238E27FC236}">
+                <a16:creationId xmlns:a16="http://schemas.microsoft.com/office/drawing/2014/main" id="{27365010-3B2A-4BA2-BE94-F52723C055C3}"/>
+              </a:ext>
+            </a:extLst>
+          </p:cNvPr>
+          <p:cNvSpPr>
+            <a:spLocks noGrp="1"/>
+          </p:cNvSpPr>
+          <p:nvPr>
+            <p:ph idx="1"/>
+          </p:nvPr>
+        </p:nvSpPr>
+        <p:spPr>
+          <a:xfrm>
+            <a:off x="691079" y="2021350"/>
+            <a:ext cx="10325000" cy="3564436"/>
+          </a:xfrm>
+        </p:spPr>
+        <p:txBody>
+          <a:bodyPr>
+            <a:normAutofit/>
+          </a:bodyPr>
+          <a:lstStyle/>
+          <a:p>
+            <a:pPr>
+              <a:buFont typeface="Arial" panose="020B0604020202020204" pitchFamily="34" charset="0"/>
+              <a:buChar char="•"/>
+            </a:pPr>
+            <a:r>
+              <a:rPr lang="hu-HU" sz="2800" dirty="0"/>
+              <a:t>Alap algoritmusok közül az euklideszi </a:t>
+            </a:r>
+            <a:r>
+              <a:rPr lang="hu-HU" sz="2800" dirty="0" err="1"/>
+              <a:t>kNN</a:t>
+            </a:r>
+            <a:r>
+              <a:rPr lang="hu-HU" sz="2800" dirty="0"/>
+              <a:t> a legjobb</a:t>
+            </a:r>
+          </a:p>
+          <a:p>
+            <a:pPr>
+              <a:buFont typeface="Arial" panose="020B0604020202020204" pitchFamily="34" charset="0"/>
+              <a:buChar char="•"/>
+            </a:pPr>
+            <a:r>
+              <a:rPr lang="hu-HU" sz="2800" dirty="0"/>
+              <a:t>PCA használatával viszont a regressziós algoritmusok is jók</a:t>
+            </a:r>
+          </a:p>
+          <a:p>
+            <a:pPr>
+              <a:buFont typeface="Arial" panose="020B0604020202020204" pitchFamily="34" charset="0"/>
+              <a:buChar char="•"/>
+            </a:pPr>
+            <a:r>
+              <a:rPr lang="hu-HU" sz="2800" dirty="0"/>
+              <a:t>Jegyre 55-60%, csoportra 80-85%-os pontosság</a:t>
+            </a:r>
+          </a:p>
+          <a:p>
+            <a:pPr>
+              <a:buFont typeface="Arial" panose="020B0604020202020204" pitchFamily="34" charset="0"/>
+              <a:buChar char="•"/>
+            </a:pPr>
+            <a:r>
+              <a:rPr lang="hu-HU" sz="2800" dirty="0"/>
+              <a:t>Valóban etikus-e ezek használata?</a:t>
+            </a:r>
+          </a:p>
+          <a:p>
+            <a:pPr>
+              <a:buFont typeface="Arial" panose="020B0604020202020204" pitchFamily="34" charset="0"/>
+              <a:buChar char="•"/>
+            </a:pPr>
+            <a:r>
+              <a:rPr lang="hu-HU" sz="2800" dirty="0"/>
+              <a:t>Ha nincs vele baj, akkor hasznos változásokat lehet alkalmazni a hallgatók javára</a:t>
+            </a:r>
+            <a:endParaRPr lang="en-US" sz="2800" dirty="0"/>
+          </a:p>
+        </p:txBody>
+      </p:sp>
+    </p:spTree>
+    <p:extLst>
+      <p:ext uri="{BB962C8B-B14F-4D97-AF65-F5344CB8AC3E}">
+        <p14:creationId xmlns:p14="http://schemas.microsoft.com/office/powerpoint/2010/main" val="1382179458"/>
+      </p:ext>
+    </p:extLst>
+  </p:cSld>
+  <p:clrMapOvr>
+    <a:masterClrMapping/>
+  </p:clrMapOvr>
+</p:sld>
+</file>
+
+<file path=ppt/slides/slide29.xml><?xml version="1.0" encoding="utf-8"?>
+<p:sld xmlns:a="http://schemas.openxmlformats.org/drawingml/2006/main" xmlns:r="http://schemas.openxmlformats.org/officeDocument/2006/relationships" xmlns:p="http://schemas.openxmlformats.org/presentationml/2006/main">
+  <p:cSld>
+    <p:spTree>
+      <p:nvGrpSpPr>
+        <p:cNvPr id="1" name=""/>
+        <p:cNvGrpSpPr/>
+        <p:nvPr/>
+      </p:nvGrpSpPr>
+      <p:grpSpPr>
+        <a:xfrm>
+          <a:off x="0" y="0"/>
+          <a:ext cx="0" cy="0"/>
+          <a:chOff x="0" y="0"/>
+          <a:chExt cx="0" cy="0"/>
+        </a:xfrm>
+      </p:grpSpPr>
+      <p:sp>
+        <p:nvSpPr>
+          <p:cNvPr id="2" name="Title 1">
+            <a:extLst>
+              <a:ext uri="{FF2B5EF4-FFF2-40B4-BE49-F238E27FC236}">
+                <a16:creationId xmlns:a16="http://schemas.microsoft.com/office/drawing/2014/main" id="{14FB6A33-1AC0-4047-960F-67EE5322918E}"/>
+              </a:ext>
+            </a:extLst>
+          </p:cNvPr>
+          <p:cNvSpPr>
+            <a:spLocks noGrp="1"/>
+          </p:cNvSpPr>
+          <p:nvPr>
+            <p:ph type="title"/>
+          </p:nvPr>
+        </p:nvSpPr>
+        <p:spPr>
+          <a:xfrm>
+            <a:off x="2394044" y="1986537"/>
+            <a:ext cx="10325000" cy="1442463"/>
+          </a:xfrm>
+        </p:spPr>
+        <p:txBody>
+          <a:bodyPr/>
+          <a:lstStyle/>
+          <a:p>
+            <a:r>
+              <a:rPr lang="hu-HU" dirty="0"/>
+              <a:t>Köszönjük a figyelmet! </a:t>
+            </a:r>
+            <a:r>
+              <a:rPr lang="hu-HU" dirty="0">
+                <a:sym typeface="Wingdings" panose="05000000000000000000" pitchFamily="2" charset="2"/>
+              </a:rPr>
+              <a:t></a:t>
+            </a:r>
+            <a:endParaRPr lang="en-US" dirty="0"/>
+          </a:p>
+        </p:txBody>
+      </p:sp>
+      <p:sp>
+        <p:nvSpPr>
+          <p:cNvPr id="3" name="Content Placeholder 2">
+            <a:extLst>
+              <a:ext uri="{FF2B5EF4-FFF2-40B4-BE49-F238E27FC236}">
+                <a16:creationId xmlns:a16="http://schemas.microsoft.com/office/drawing/2014/main" id="{6AC4C6E7-BE8F-47A9-98EE-84A4FB91E6C7}"/>
+              </a:ext>
+            </a:extLst>
+          </p:cNvPr>
+          <p:cNvSpPr>
+            <a:spLocks noGrp="1"/>
+          </p:cNvSpPr>
+          <p:nvPr>
+            <p:ph idx="1"/>
+          </p:nvPr>
+        </p:nvSpPr>
+        <p:spPr/>
+        <p:txBody>
+          <a:bodyPr/>
+          <a:lstStyle/>
+          <a:p>
+            <a:endParaRPr lang="en-US"/>
+          </a:p>
+        </p:txBody>
+      </p:sp>
+    </p:spTree>
+    <p:extLst>
+      <p:ext uri="{BB962C8B-B14F-4D97-AF65-F5344CB8AC3E}">
+        <p14:creationId xmlns:p14="http://schemas.microsoft.com/office/powerpoint/2010/main" val="1225702852"/>
       </p:ext>
     </p:extLst>
   </p:cSld>
@@ -18280,18 +21651,18 @@
 </file>
 
 <file path=customXml/item2.xml><?xml version="1.0" encoding="utf-8"?>
+<p:properties xmlns:p="http://schemas.microsoft.com/office/2006/metadata/properties" xmlns:xsi="http://www.w3.org/2001/XMLSchema-instance" xmlns:pc="http://schemas.microsoft.com/office/infopath/2007/PartnerControls">
+  <documentManagement/>
+</p:properties>
+</file>
+
+<file path=customXml/item3.xml><?xml version="1.0" encoding="utf-8"?>
 <?mso-contentType ?>
 <FormTemplates xmlns="http://schemas.microsoft.com/sharepoint/v3/contenttype/forms">
   <Display>DocumentLibraryForm</Display>
   <Edit>DocumentLibraryForm</Edit>
   <New>DocumentLibraryForm</New>
 </FormTemplates>
-</file>
-
-<file path=customXml/item3.xml><?xml version="1.0" encoding="utf-8"?>
-<p:properties xmlns:p="http://schemas.microsoft.com/office/2006/metadata/properties" xmlns:xsi="http://www.w3.org/2001/XMLSchema-instance" xmlns:pc="http://schemas.microsoft.com/office/infopath/2007/PartnerControls">
-  <documentManagement/>
-</p:properties>
 </file>
 
 <file path=customXml/itemProps1.xml><?xml version="1.0" encoding="utf-8"?>
@@ -18314,14 +21685,6 @@
 </file>
 
 <file path=customXml/itemProps2.xml><?xml version="1.0" encoding="utf-8"?>
-<ds:datastoreItem xmlns:ds="http://schemas.openxmlformats.org/officeDocument/2006/customXml" ds:itemID="{50840CD4-151D-4EB0-B019-56A60DEADF67}">
-  <ds:schemaRefs>
-    <ds:schemaRef ds:uri="http://schemas.microsoft.com/sharepoint/v3/contenttype/forms"/>
-  </ds:schemaRefs>
-</ds:datastoreItem>
-</file>
-
-<file path=customXml/itemProps3.xml><?xml version="1.0" encoding="utf-8"?>
 <ds:datastoreItem xmlns:ds="http://schemas.openxmlformats.org/officeDocument/2006/customXml" ds:itemID="{9C219F95-6B43-40D3-B82B-9222DC3D5400}">
   <ds:schemaRefs>
     <ds:schemaRef ds:uri="c337042d-1629-4b4f-b38b-20e2dbf6aed7"/>
@@ -18336,4 +21699,12 @@
     <ds:schemaRef ds:uri="http://purl.org/dc/elements/1.1/"/>
   </ds:schemaRefs>
 </ds:datastoreItem>
+</file>
+
+<file path=customXml/itemProps3.xml><?xml version="1.0" encoding="utf-8"?>
+<ds:datastoreItem xmlns:ds="http://schemas.openxmlformats.org/officeDocument/2006/customXml" ds:itemID="{50840CD4-151D-4EB0-B019-56A60DEADF67}">
+  <ds:schemaRefs>
+    <ds:schemaRef ds:uri="http://schemas.microsoft.com/sharepoint/v3/contenttype/forms"/>
+  </ds:schemaRefs>
+</ds:datastoreItem>
 </file>
--- a/BME vegyészmérnök hallgatók különböző felmérési eredményeinek vizsgálata,.pptx
+++ b/BME vegyészmérnök hallgatók különböző felmérési eredményeinek vizsgálata,.pptx
@@ -16732,8 +16732,8 @@
           </a:p>
         </p:txBody>
       </p:sp>
-      <mc:AlternateContent xmlns:mc="http://schemas.openxmlformats.org/markup-compatibility/2006">
-        <mc:Choice xmlns:a14="http://schemas.microsoft.com/office/drawing/2010/main" Requires="a14">
+      <mc:AlternateContent xmlns:mc="http://schemas.openxmlformats.org/markup-compatibility/2006" xmlns:a14="http://schemas.microsoft.com/office/drawing/2010/main">
+        <mc:Choice Requires="a14">
           <p:sp>
             <p:nvSpPr>
               <p:cNvPr id="3" name="Content Placeholder 2">
@@ -16902,7 +16902,7 @@
             </p:txBody>
           </p:sp>
         </mc:Choice>
-        <mc:Fallback>
+        <mc:Fallback xmlns="">
           <p:sp>
             <p:nvSpPr>
               <p:cNvPr id="3" name="Content Placeholder 2">
@@ -16946,6 +16946,53 @@
           </p:sp>
         </mc:Fallback>
       </mc:AlternateContent>
+      <p:pic>
+        <p:nvPicPr>
+          <p:cNvPr id="3074" name="Picture 2" descr="What&amp;#39;s the Difference? Artificial Intelligence vs. Machine Learning -  DashTech">
+            <a:extLst>
+              <a:ext uri="{FF2B5EF4-FFF2-40B4-BE49-F238E27FC236}">
+                <a16:creationId xmlns:a16="http://schemas.microsoft.com/office/drawing/2014/main" id="{AB75FC41-31BE-4BF8-9C99-92C2055B51B0}"/>
+              </a:ext>
+            </a:extLst>
+          </p:cNvPr>
+          <p:cNvPicPr>
+            <a:picLocks noChangeAspect="1" noChangeArrowheads="1"/>
+          </p:cNvPicPr>
+          <p:nvPr/>
+        </p:nvPicPr>
+        <p:blipFill>
+          <a:blip r:embed="rId3">
+            <a:extLst>
+              <a:ext uri="{28A0092B-C50C-407E-A947-70E740481C1C}">
+                <a14:useLocalDpi xmlns:a14="http://schemas.microsoft.com/office/drawing/2010/main" val="0"/>
+              </a:ext>
+            </a:extLst>
+          </a:blip>
+          <a:srcRect/>
+          <a:stretch>
+            <a:fillRect/>
+          </a:stretch>
+        </p:blipFill>
+        <p:spPr bwMode="auto">
+          <a:xfrm>
+            <a:off x="6714359" y="721231"/>
+            <a:ext cx="4168629" cy="2501177"/>
+          </a:xfrm>
+          <a:prstGeom prst="rect">
+            <a:avLst/>
+          </a:prstGeom>
+          <a:noFill/>
+          <a:extLst>
+            <a:ext uri="{909E8E84-426E-40DD-AFC4-6F175D3DCCD1}">
+              <a14:hiddenFill xmlns:a14="http://schemas.microsoft.com/office/drawing/2010/main">
+                <a:solidFill>
+                  <a:srgbClr val="FFFFFF"/>
+                </a:solidFill>
+              </a14:hiddenFill>
+            </a:ext>
+          </a:extLst>
+        </p:spPr>
+      </p:pic>
     </p:spTree>
     <p:extLst>
       <p:ext uri="{BB962C8B-B14F-4D97-AF65-F5344CB8AC3E}">
@@ -20270,6 +20317,53 @@
           </a:p>
         </p:txBody>
       </p:sp>
+      <p:pic>
+        <p:nvPicPr>
+          <p:cNvPr id="1026" name="Picture 2" descr="Writing about worries eases anxiety and improves test performance |  University of Chicago News">
+            <a:extLst>
+              <a:ext uri="{FF2B5EF4-FFF2-40B4-BE49-F238E27FC236}">
+                <a16:creationId xmlns:a16="http://schemas.microsoft.com/office/drawing/2014/main" id="{CC2367F2-3781-423F-86A6-411496094081}"/>
+              </a:ext>
+            </a:extLst>
+          </p:cNvPr>
+          <p:cNvPicPr>
+            <a:picLocks noChangeAspect="1" noChangeArrowheads="1"/>
+          </p:cNvPicPr>
+          <p:nvPr/>
+        </p:nvPicPr>
+        <p:blipFill>
+          <a:blip r:embed="rId2">
+            <a:extLst>
+              <a:ext uri="{28A0092B-C50C-407E-A947-70E740481C1C}">
+                <a14:useLocalDpi xmlns:a14="http://schemas.microsoft.com/office/drawing/2010/main" val="0"/>
+              </a:ext>
+            </a:extLst>
+          </a:blip>
+          <a:srcRect/>
+          <a:stretch>
+            <a:fillRect/>
+          </a:stretch>
+        </p:blipFill>
+        <p:spPr bwMode="auto">
+          <a:xfrm>
+            <a:off x="6932646" y="1908885"/>
+            <a:ext cx="4699518" cy="2642867"/>
+          </a:xfrm>
+          <a:prstGeom prst="rect">
+            <a:avLst/>
+          </a:prstGeom>
+          <a:noFill/>
+          <a:extLst>
+            <a:ext uri="{909E8E84-426E-40DD-AFC4-6F175D3DCCD1}">
+              <a14:hiddenFill xmlns:a14="http://schemas.microsoft.com/office/drawing/2010/main">
+                <a:solidFill>
+                  <a:srgbClr val="FFFFFF"/>
+                </a:solidFill>
+              </a14:hiddenFill>
+            </a:ext>
+          </a:extLst>
+        </p:spPr>
+      </p:pic>
     </p:spTree>
     <p:extLst>
       <p:ext uri="{BB962C8B-B14F-4D97-AF65-F5344CB8AC3E}">
@@ -20318,7 +20412,7 @@
         </p:nvSpPr>
         <p:spPr>
           <a:xfrm>
-            <a:off x="691079" y="725952"/>
+            <a:off x="691079" y="845966"/>
             <a:ext cx="10325000" cy="775678"/>
           </a:xfrm>
         </p:spPr>
@@ -20351,7 +20445,7 @@
         </p:nvSpPr>
         <p:spPr>
           <a:xfrm>
-            <a:off x="691079" y="2138796"/>
+            <a:off x="691079" y="2580056"/>
             <a:ext cx="10325000" cy="3564436"/>
           </a:xfrm>
         </p:spPr>
@@ -20360,16 +20454,6 @@
             <a:normAutofit/>
           </a:bodyPr>
           <a:lstStyle/>
-          <a:p>
-            <a:pPr>
-              <a:buFont typeface="Arial" panose="020B0604020202020204" pitchFamily="34" charset="0"/>
-              <a:buChar char="•"/>
-            </a:pPr>
-            <a:r>
-              <a:rPr lang="hu-HU" sz="2800" dirty="0"/>
-              <a:t>Gyakori tesztelés és segítőanyagok sikeressége</a:t>
-            </a:r>
-          </a:p>
           <a:p>
             <a:pPr>
               <a:buFont typeface="Arial" panose="020B0604020202020204" pitchFamily="34" charset="0"/>
@@ -20380,6 +20464,16 @@
               <a:t>EduBase</a:t>
             </a:r>
             <a:endParaRPr lang="hu-HU" sz="2800" dirty="0"/>
+          </a:p>
+          <a:p>
+            <a:pPr>
+              <a:buFont typeface="Arial" panose="020B0604020202020204" pitchFamily="34" charset="0"/>
+              <a:buChar char="•"/>
+            </a:pPr>
+            <a:r>
+              <a:rPr lang="hu-HU" sz="2800" dirty="0"/>
+              <a:t>Gyakori tesztelés és segítőanyagok sikeressége</a:t>
+            </a:r>
           </a:p>
           <a:p>
             <a:pPr>
@@ -20417,7 +20511,7 @@
         </p:nvSpPr>
         <p:spPr>
           <a:xfrm>
-            <a:off x="4218413" y="4084303"/>
+            <a:off x="4193246" y="4495364"/>
             <a:ext cx="378754" cy="277971"/>
           </a:xfrm>
           <a:prstGeom prst="chevron">
@@ -20481,12 +20575,59 @@
         </p:blipFill>
         <p:spPr>
           <a:xfrm>
-            <a:off x="8040448" y="4084303"/>
-            <a:ext cx="3128791" cy="1492193"/>
+            <a:off x="7887288" y="1330703"/>
+            <a:ext cx="3128791" cy="1540295"/>
           </a:xfrm>
           <a:prstGeom prst="rect">
             <a:avLst/>
           </a:prstGeom>
+        </p:spPr>
+      </p:pic>
+      <p:pic>
+        <p:nvPicPr>
+          <p:cNvPr id="2054" name="Picture 6" descr="Cognitive Processing: What It Is and Why It&amp;#39;s Important | BrainCheck">
+            <a:extLst>
+              <a:ext uri="{FF2B5EF4-FFF2-40B4-BE49-F238E27FC236}">
+                <a16:creationId xmlns:a16="http://schemas.microsoft.com/office/drawing/2014/main" id="{A31CC96B-CAF7-4F4E-ABEA-BA2854BE8E78}"/>
+              </a:ext>
+            </a:extLst>
+          </p:cNvPr>
+          <p:cNvPicPr>
+            <a:picLocks noChangeAspect="1" noChangeArrowheads="1"/>
+          </p:cNvPicPr>
+          <p:nvPr/>
+        </p:nvPicPr>
+        <p:blipFill>
+          <a:blip r:embed="rId3">
+            <a:extLst>
+              <a:ext uri="{28A0092B-C50C-407E-A947-70E740481C1C}">
+                <a14:useLocalDpi xmlns:a14="http://schemas.microsoft.com/office/drawing/2010/main" val="0"/>
+              </a:ext>
+            </a:extLst>
+          </a:blip>
+          <a:srcRect/>
+          <a:stretch>
+            <a:fillRect/>
+          </a:stretch>
+        </p:blipFill>
+        <p:spPr bwMode="auto">
+          <a:xfrm>
+            <a:off x="3846901" y="845966"/>
+            <a:ext cx="3244860" cy="1950438"/>
+          </a:xfrm>
+          <a:prstGeom prst="rect">
+            <a:avLst/>
+          </a:prstGeom>
+          <a:noFill/>
+          <a:extLst>
+            <a:ext uri="{909E8E84-426E-40DD-AFC4-6F175D3DCCD1}">
+              <a14:hiddenFill xmlns:a14="http://schemas.microsoft.com/office/drawing/2010/main">
+                <a:solidFill>
+                  <a:srgbClr val="FFFFFF"/>
+                </a:solidFill>
+              </a14:hiddenFill>
+            </a:ext>
+          </a:extLst>
         </p:spPr>
       </p:pic>
     </p:spTree>
@@ -20634,6 +20775,53 @@
           </a:p>
         </p:txBody>
       </p:sp>
+      <p:pic>
+        <p:nvPicPr>
+          <p:cNvPr id="4" name="Picture 2" descr="Brain Thinking PNG Image - PurePNG | Free transparent CC0 PNG Image Library">
+            <a:extLst>
+              <a:ext uri="{FF2B5EF4-FFF2-40B4-BE49-F238E27FC236}">
+                <a16:creationId xmlns:a16="http://schemas.microsoft.com/office/drawing/2014/main" id="{14DBF2DC-3525-4E0A-8EB0-5C81CAF0920F}"/>
+              </a:ext>
+            </a:extLst>
+          </p:cNvPr>
+          <p:cNvPicPr>
+            <a:picLocks noChangeAspect="1" noChangeArrowheads="1"/>
+          </p:cNvPicPr>
+          <p:nvPr/>
+        </p:nvPicPr>
+        <p:blipFill>
+          <a:blip r:embed="rId2">
+            <a:extLst>
+              <a:ext uri="{28A0092B-C50C-407E-A947-70E740481C1C}">
+                <a14:useLocalDpi xmlns:a14="http://schemas.microsoft.com/office/drawing/2010/main" val="0"/>
+              </a:ext>
+            </a:extLst>
+          </a:blip>
+          <a:srcRect/>
+          <a:stretch>
+            <a:fillRect/>
+          </a:stretch>
+        </p:blipFill>
+        <p:spPr bwMode="auto">
+          <a:xfrm>
+            <a:off x="7605914" y="232452"/>
+            <a:ext cx="2798018" cy="2798018"/>
+          </a:xfrm>
+          <a:prstGeom prst="rect">
+            <a:avLst/>
+          </a:prstGeom>
+          <a:noFill/>
+          <a:extLst>
+            <a:ext uri="{909E8E84-426E-40DD-AFC4-6F175D3DCCD1}">
+              <a14:hiddenFill xmlns:a14="http://schemas.microsoft.com/office/drawing/2010/main">
+                <a:solidFill>
+                  <a:srgbClr val="FFFFFF"/>
+                </a:solidFill>
+              </a14:hiddenFill>
+            </a:ext>
+          </a:extLst>
+        </p:spPr>
+      </p:pic>
     </p:spTree>
     <p:extLst>
       <p:ext uri="{BB962C8B-B14F-4D97-AF65-F5344CB8AC3E}">
@@ -21434,6 +21622,12 @@
 </file>
 
 <file path=customXml/item1.xml><?xml version="1.0" encoding="utf-8"?>
+<p:properties xmlns:p="http://schemas.microsoft.com/office/2006/metadata/properties" xmlns:xsi="http://www.w3.org/2001/XMLSchema-instance" xmlns:pc="http://schemas.microsoft.com/office/infopath/2007/PartnerControls">
+  <documentManagement/>
+</p:properties>
+</file>
+
+<file path=customXml/item2.xml><?xml version="1.0" encoding="utf-8"?>
 <ct:contentTypeSchema xmlns:ct="http://schemas.microsoft.com/office/2006/metadata/contentType" xmlns:ma="http://schemas.microsoft.com/office/2006/metadata/properties/metaAttributes" ct:_="" ma:_="" ma:contentTypeName="Dokumentum" ma:contentTypeID="0x010100E773987F6FCB234CAD7E1038ABAFFC34" ma:contentTypeVersion="12" ma:contentTypeDescription="Új dokumentum létrehozása." ma:contentTypeScope="" ma:versionID="6c0221d54d68b469113230e4d12a3076">
   <xsd:schema xmlns:xsd="http://www.w3.org/2001/XMLSchema" xmlns:xs="http://www.w3.org/2001/XMLSchema" xmlns:p="http://schemas.microsoft.com/office/2006/metadata/properties" xmlns:ns3="0291926e-7f6f-40e6-b2cd-618d734b3849" xmlns:ns4="c337042d-1629-4b4f-b38b-20e2dbf6aed7" targetNamespace="http://schemas.microsoft.com/office/2006/metadata/properties" ma:root="true" ma:fieldsID="0f650a239c9211ace804224dcc7f117d" ns3:_="" ns4:_="">
     <xsd:import namespace="0291926e-7f6f-40e6-b2cd-618d734b3849"/>
@@ -21650,12 +21844,6 @@
 </ct:contentTypeSchema>
 </file>
 
-<file path=customXml/item2.xml><?xml version="1.0" encoding="utf-8"?>
-<p:properties xmlns:p="http://schemas.microsoft.com/office/2006/metadata/properties" xmlns:xsi="http://www.w3.org/2001/XMLSchema-instance" xmlns:pc="http://schemas.microsoft.com/office/infopath/2007/PartnerControls">
-  <documentManagement/>
-</p:properties>
-</file>
-
 <file path=customXml/item3.xml><?xml version="1.0" encoding="utf-8"?>
 <?mso-contentType ?>
 <FormTemplates xmlns="http://schemas.microsoft.com/sharepoint/v3/contenttype/forms">
@@ -21666,6 +21854,23 @@
 </file>
 
 <file path=customXml/itemProps1.xml><?xml version="1.0" encoding="utf-8"?>
+<ds:datastoreItem xmlns:ds="http://schemas.openxmlformats.org/officeDocument/2006/customXml" ds:itemID="{9C219F95-6B43-40D3-B82B-9222DC3D5400}">
+  <ds:schemaRefs>
+    <ds:schemaRef ds:uri="c337042d-1629-4b4f-b38b-20e2dbf6aed7"/>
+    <ds:schemaRef ds:uri="http://schemas.microsoft.com/office/2006/documentManagement/types"/>
+    <ds:schemaRef ds:uri="http://purl.org/dc/dcmitype/"/>
+    <ds:schemaRef ds:uri="http://schemas.microsoft.com/office/2006/metadata/properties"/>
+    <ds:schemaRef ds:uri="http://schemas.openxmlformats.org/package/2006/metadata/core-properties"/>
+    <ds:schemaRef ds:uri="http://purl.org/dc/terms/"/>
+    <ds:schemaRef ds:uri="http://schemas.microsoft.com/office/infopath/2007/PartnerControls"/>
+    <ds:schemaRef ds:uri="0291926e-7f6f-40e6-b2cd-618d734b3849"/>
+    <ds:schemaRef ds:uri="http://www.w3.org/XML/1998/namespace"/>
+    <ds:schemaRef ds:uri="http://purl.org/dc/elements/1.1/"/>
+  </ds:schemaRefs>
+</ds:datastoreItem>
+</file>
+
+<file path=customXml/itemProps2.xml><?xml version="1.0" encoding="utf-8"?>
 <ds:datastoreItem xmlns:ds="http://schemas.openxmlformats.org/officeDocument/2006/customXml" ds:itemID="{1DB5A588-68B5-48FC-930C-60E57FAFE17A}">
   <ds:schemaRefs>
     <ds:schemaRef ds:uri="http://schemas.microsoft.com/office/2006/metadata/contentType"/>
@@ -21684,23 +21889,6 @@
 </ds:datastoreItem>
 </file>
 
-<file path=customXml/itemProps2.xml><?xml version="1.0" encoding="utf-8"?>
-<ds:datastoreItem xmlns:ds="http://schemas.openxmlformats.org/officeDocument/2006/customXml" ds:itemID="{9C219F95-6B43-40D3-B82B-9222DC3D5400}">
-  <ds:schemaRefs>
-    <ds:schemaRef ds:uri="c337042d-1629-4b4f-b38b-20e2dbf6aed7"/>
-    <ds:schemaRef ds:uri="http://schemas.microsoft.com/office/2006/documentManagement/types"/>
-    <ds:schemaRef ds:uri="http://purl.org/dc/dcmitype/"/>
-    <ds:schemaRef ds:uri="http://schemas.microsoft.com/office/2006/metadata/properties"/>
-    <ds:schemaRef ds:uri="http://schemas.openxmlformats.org/package/2006/metadata/core-properties"/>
-    <ds:schemaRef ds:uri="http://purl.org/dc/terms/"/>
-    <ds:schemaRef ds:uri="http://schemas.microsoft.com/office/infopath/2007/PartnerControls"/>
-    <ds:schemaRef ds:uri="0291926e-7f6f-40e6-b2cd-618d734b3849"/>
-    <ds:schemaRef ds:uri="http://www.w3.org/XML/1998/namespace"/>
-    <ds:schemaRef ds:uri="http://purl.org/dc/elements/1.1/"/>
-  </ds:schemaRefs>
-</ds:datastoreItem>
-</file>
-
 <file path=customXml/itemProps3.xml><?xml version="1.0" encoding="utf-8"?>
 <ds:datastoreItem xmlns:ds="http://schemas.openxmlformats.org/officeDocument/2006/customXml" ds:itemID="{50840CD4-151D-4EB0-B019-56A60DEADF67}">
   <ds:schemaRefs>

--- a/BME vegyészmérnök hallgatók különböző felmérési eredményeinek vizsgálata,.pptx
+++ b/BME vegyészmérnök hallgatók különböző felmérési eredményeinek vizsgálata,.pptx
@@ -20051,7 +20051,7 @@
             </a:pPr>
             <a:r>
               <a:rPr lang="hu-HU" sz="2800" dirty="0"/>
-              <a:t>Ha nincs vele baj, akkor hasznos változásokat lehet alkalmazni a hallgatók javára</a:t>
+              <a:t>Ha nincs vele baj, akkor hasznos változtatásokat lehet alkalmazni a hallgatók javára</a:t>
             </a:r>
             <a:endParaRPr lang="en-US" sz="2800" dirty="0"/>
           </a:p>
@@ -21622,12 +21622,6 @@
 </file>
 
 <file path=customXml/item1.xml><?xml version="1.0" encoding="utf-8"?>
-<p:properties xmlns:p="http://schemas.microsoft.com/office/2006/metadata/properties" xmlns:xsi="http://www.w3.org/2001/XMLSchema-instance" xmlns:pc="http://schemas.microsoft.com/office/infopath/2007/PartnerControls">
-  <documentManagement/>
-</p:properties>
-</file>
-
-<file path=customXml/item2.xml><?xml version="1.0" encoding="utf-8"?>
 <ct:contentTypeSchema xmlns:ct="http://schemas.microsoft.com/office/2006/metadata/contentType" xmlns:ma="http://schemas.microsoft.com/office/2006/metadata/properties/metaAttributes" ct:_="" ma:_="" ma:contentTypeName="Dokumentum" ma:contentTypeID="0x010100E773987F6FCB234CAD7E1038ABAFFC34" ma:contentTypeVersion="12" ma:contentTypeDescription="Új dokumentum létrehozása." ma:contentTypeScope="" ma:versionID="6c0221d54d68b469113230e4d12a3076">
   <xsd:schema xmlns:xsd="http://www.w3.org/2001/XMLSchema" xmlns:xs="http://www.w3.org/2001/XMLSchema" xmlns:p="http://schemas.microsoft.com/office/2006/metadata/properties" xmlns:ns3="0291926e-7f6f-40e6-b2cd-618d734b3849" xmlns:ns4="c337042d-1629-4b4f-b38b-20e2dbf6aed7" targetNamespace="http://schemas.microsoft.com/office/2006/metadata/properties" ma:root="true" ma:fieldsID="0f650a239c9211ace804224dcc7f117d" ns3:_="" ns4:_="">
     <xsd:import namespace="0291926e-7f6f-40e6-b2cd-618d734b3849"/>
@@ -21844,6 +21838,12 @@
 </ct:contentTypeSchema>
 </file>
 
+<file path=customXml/item2.xml><?xml version="1.0" encoding="utf-8"?>
+<p:properties xmlns:p="http://schemas.microsoft.com/office/2006/metadata/properties" xmlns:xsi="http://www.w3.org/2001/XMLSchema-instance" xmlns:pc="http://schemas.microsoft.com/office/infopath/2007/PartnerControls">
+  <documentManagement/>
+</p:properties>
+</file>
+
 <file path=customXml/item3.xml><?xml version="1.0" encoding="utf-8"?>
 <?mso-contentType ?>
 <FormTemplates xmlns="http://schemas.microsoft.com/sharepoint/v3/contenttype/forms">
@@ -21854,23 +21854,6 @@
 </file>
 
 <file path=customXml/itemProps1.xml><?xml version="1.0" encoding="utf-8"?>
-<ds:datastoreItem xmlns:ds="http://schemas.openxmlformats.org/officeDocument/2006/customXml" ds:itemID="{9C219F95-6B43-40D3-B82B-9222DC3D5400}">
-  <ds:schemaRefs>
-    <ds:schemaRef ds:uri="c337042d-1629-4b4f-b38b-20e2dbf6aed7"/>
-    <ds:schemaRef ds:uri="http://schemas.microsoft.com/office/2006/documentManagement/types"/>
-    <ds:schemaRef ds:uri="http://purl.org/dc/dcmitype/"/>
-    <ds:schemaRef ds:uri="http://schemas.microsoft.com/office/2006/metadata/properties"/>
-    <ds:schemaRef ds:uri="http://schemas.openxmlformats.org/package/2006/metadata/core-properties"/>
-    <ds:schemaRef ds:uri="http://purl.org/dc/terms/"/>
-    <ds:schemaRef ds:uri="http://schemas.microsoft.com/office/infopath/2007/PartnerControls"/>
-    <ds:schemaRef ds:uri="0291926e-7f6f-40e6-b2cd-618d734b3849"/>
-    <ds:schemaRef ds:uri="http://www.w3.org/XML/1998/namespace"/>
-    <ds:schemaRef ds:uri="http://purl.org/dc/elements/1.1/"/>
-  </ds:schemaRefs>
-</ds:datastoreItem>
-</file>
-
-<file path=customXml/itemProps2.xml><?xml version="1.0" encoding="utf-8"?>
 <ds:datastoreItem xmlns:ds="http://schemas.openxmlformats.org/officeDocument/2006/customXml" ds:itemID="{1DB5A588-68B5-48FC-930C-60E57FAFE17A}">
   <ds:schemaRefs>
     <ds:schemaRef ds:uri="http://schemas.microsoft.com/office/2006/metadata/contentType"/>
@@ -21889,6 +21872,23 @@
 </ds:datastoreItem>
 </file>
 
+<file path=customXml/itemProps2.xml><?xml version="1.0" encoding="utf-8"?>
+<ds:datastoreItem xmlns:ds="http://schemas.openxmlformats.org/officeDocument/2006/customXml" ds:itemID="{9C219F95-6B43-40D3-B82B-9222DC3D5400}">
+  <ds:schemaRefs>
+    <ds:schemaRef ds:uri="c337042d-1629-4b4f-b38b-20e2dbf6aed7"/>
+    <ds:schemaRef ds:uri="http://schemas.microsoft.com/office/2006/documentManagement/types"/>
+    <ds:schemaRef ds:uri="http://purl.org/dc/dcmitype/"/>
+    <ds:schemaRef ds:uri="http://schemas.microsoft.com/office/2006/metadata/properties"/>
+    <ds:schemaRef ds:uri="http://schemas.openxmlformats.org/package/2006/metadata/core-properties"/>
+    <ds:schemaRef ds:uri="http://purl.org/dc/terms/"/>
+    <ds:schemaRef ds:uri="http://schemas.microsoft.com/office/infopath/2007/PartnerControls"/>
+    <ds:schemaRef ds:uri="0291926e-7f6f-40e6-b2cd-618d734b3849"/>
+    <ds:schemaRef ds:uri="http://www.w3.org/XML/1998/namespace"/>
+    <ds:schemaRef ds:uri="http://purl.org/dc/elements/1.1/"/>
+  </ds:schemaRefs>
+</ds:datastoreItem>
+</file>
+
 <file path=customXml/itemProps3.xml><?xml version="1.0" encoding="utf-8"?>
 <ds:datastoreItem xmlns:ds="http://schemas.openxmlformats.org/officeDocument/2006/customXml" ds:itemID="{50840CD4-151D-4EB0-B019-56A60DEADF67}">
   <ds:schemaRefs>

--- a/BME vegyészmérnök hallgatók különböző felmérési eredményeinek vizsgálata,.pptx
+++ b/BME vegyészmérnök hallgatók különböző felmérési eredményeinek vizsgálata,.pptx
@@ -1814,7 +1814,7 @@
           <a:p>
             <a:fld id="{8F72BA41-EC5B-4197-BCC8-0FD2E523CD7A}" type="datetimeFigureOut">
               <a:rPr lang="en-US" smtClean="0"/>
-              <a:t>1/13/2022</a:t>
+              <a:t>1/14/2022</a:t>
             </a:fld>
             <a:endParaRPr lang="en-US"/>
           </a:p>
@@ -2017,7 +2017,7 @@
           <a:p>
             <a:fld id="{8F72BA41-EC5B-4197-BCC8-0FD2E523CD7A}" type="datetimeFigureOut">
               <a:rPr lang="en-US" smtClean="0"/>
-              <a:t>1/13/2022</a:t>
+              <a:t>1/14/2022</a:t>
             </a:fld>
             <a:endParaRPr lang="en-US"/>
           </a:p>
@@ -3738,7 +3738,7 @@
           <a:p>
             <a:fld id="{8F72BA41-EC5B-4197-BCC8-0FD2E523CD7A}" type="datetimeFigureOut">
               <a:rPr lang="en-US" smtClean="0"/>
-              <a:t>1/13/2022</a:t>
+              <a:t>1/14/2022</a:t>
             </a:fld>
             <a:endParaRPr lang="en-US"/>
           </a:p>
@@ -3937,7 +3937,7 @@
           <a:p>
             <a:fld id="{8F72BA41-EC5B-4197-BCC8-0FD2E523CD7A}" type="datetimeFigureOut">
               <a:rPr lang="en-US" smtClean="0"/>
-              <a:t>1/13/2022</a:t>
+              <a:t>1/14/2022</a:t>
             </a:fld>
             <a:endParaRPr lang="en-US"/>
           </a:p>
@@ -5727,7 +5727,7 @@
           <a:p>
             <a:fld id="{8F72BA41-EC5B-4197-BCC8-0FD2E523CD7A}" type="datetimeFigureOut">
               <a:rPr lang="en-US" smtClean="0"/>
-              <a:t>1/13/2022</a:t>
+              <a:t>1/14/2022</a:t>
             </a:fld>
             <a:endParaRPr lang="en-US"/>
           </a:p>
@@ -6000,7 +6000,7 @@
           <a:p>
             <a:fld id="{8F72BA41-EC5B-4197-BCC8-0FD2E523CD7A}" type="datetimeFigureOut">
               <a:rPr lang="en-US" smtClean="0"/>
-              <a:t>1/13/2022</a:t>
+              <a:t>1/14/2022</a:t>
             </a:fld>
             <a:endParaRPr lang="en-US"/>
           </a:p>
@@ -6420,7 +6420,7 @@
           <a:p>
             <a:fld id="{8F72BA41-EC5B-4197-BCC8-0FD2E523CD7A}" type="datetimeFigureOut">
               <a:rPr lang="en-US" smtClean="0"/>
-              <a:t>1/13/2022</a:t>
+              <a:t>1/14/2022</a:t>
             </a:fld>
             <a:endParaRPr lang="en-US"/>
           </a:p>
@@ -6576,7 +6576,7 @@
           <a:p>
             <a:fld id="{8F72BA41-EC5B-4197-BCC8-0FD2E523CD7A}" type="datetimeFigureOut">
               <a:rPr lang="en-US" smtClean="0"/>
-              <a:t>1/13/2022</a:t>
+              <a:t>1/14/2022</a:t>
             </a:fld>
             <a:endParaRPr lang="en-US"/>
           </a:p>
@@ -8144,7 +8144,7 @@
           <a:p>
             <a:fld id="{8F72BA41-EC5B-4197-BCC8-0FD2E523CD7A}" type="datetimeFigureOut">
               <a:rPr lang="en-US" smtClean="0"/>
-              <a:t>1/13/2022</a:t>
+              <a:t>1/14/2022</a:t>
             </a:fld>
             <a:endParaRPr lang="en-US"/>
           </a:p>
@@ -9995,7 +9995,7 @@
           <a:p>
             <a:fld id="{8F72BA41-EC5B-4197-BCC8-0FD2E523CD7A}" type="datetimeFigureOut">
               <a:rPr lang="en-US" smtClean="0"/>
-              <a:t>1/13/2022</a:t>
+              <a:t>1/14/2022</a:t>
             </a:fld>
             <a:endParaRPr lang="en-US"/>
           </a:p>
@@ -11808,7 +11808,7 @@
           <a:p>
             <a:fld id="{8F72BA41-EC5B-4197-BCC8-0FD2E523CD7A}" type="datetimeFigureOut">
               <a:rPr lang="en-US" smtClean="0"/>
-              <a:t>1/13/2022</a:t>
+              <a:t>1/14/2022</a:t>
             </a:fld>
             <a:endParaRPr lang="en-US"/>
           </a:p>
@@ -13502,7 +13502,7 @@
             <a:fld id="{8F72BA41-EC5B-4197-BCC8-0FD2E523CD7A}" type="datetimeFigureOut">
               <a:rPr lang="en-US" smtClean="0"/>
               <a:pPr/>
-              <a:t>1/13/2022</a:t>
+              <a:t>1/14/2022</a:t>
             </a:fld>
             <a:endParaRPr lang="en-US" dirty="0"/>
           </a:p>
@@ -17537,7 +17537,7 @@
             </a:br>
             <a:r>
               <a:rPr lang="hu-HU" sz="2800" dirty="0"/>
-              <a:t>teljesít, mint az 5 </a:t>
+              <a:t>teljesítenek, mint az 5 </a:t>
             </a:r>
             <a:br>
               <a:rPr lang="hu-HU" sz="2800" dirty="0"/>
@@ -18064,7 +18064,7 @@
         <p:spPr>
           <a:xfrm>
             <a:off x="691079" y="2196181"/>
-            <a:ext cx="10506954" cy="3108543"/>
+            <a:ext cx="10506954" cy="2246769"/>
           </a:xfrm>
           <a:prstGeom prst="rect">
             <a:avLst/>
@@ -18083,7 +18083,7 @@
             </a:pPr>
             <a:r>
               <a:rPr lang="hu-HU" sz="2800" dirty="0"/>
-              <a:t>Oktatási környezet változása, digitalizáció        új oktatási módszerek szükségesek</a:t>
+              <a:t>Első egyetemi félév nehézségei         segítségre szoruló hallgatók patronálása</a:t>
             </a:r>
           </a:p>
           <a:p>
@@ -18093,17 +18093,7 @@
             </a:pPr>
             <a:r>
               <a:rPr lang="hu-HU" sz="2800" dirty="0"/>
-              <a:t>Első egyetemi félév nehézségei         segítségre szoruló hallgatók patronálása</a:t>
-            </a:r>
-          </a:p>
-          <a:p>
-            <a:pPr marL="285750" indent="-285750">
-              <a:buFont typeface="Arial" panose="020B0604020202020204" pitchFamily="34" charset="0"/>
-              <a:buChar char="•"/>
-            </a:pPr>
-            <a:r>
-              <a:rPr lang="hu-HU" sz="2800" dirty="0"/>
-              <a:t>Cél: korán eldönteni, mely hallgatók fognak jól vagy rosszul teljesíteni</a:t>
+              <a:t>Cél: korán eldönteni, mely hallgatók fognak jól, rosszul teljesíteni, illetve lemorzsolódni</a:t>
             </a:r>
           </a:p>
           <a:p>
@@ -18132,58 +18122,8 @@
         </p:nvSpPr>
         <p:spPr>
           <a:xfrm>
-            <a:off x="7928994" y="2333639"/>
+            <a:off x="6307272" y="2303432"/>
             <a:ext cx="401274" cy="304184"/>
-          </a:xfrm>
-          <a:prstGeom prst="chevron">
-            <a:avLst/>
-          </a:prstGeom>
-        </p:spPr>
-        <p:style>
-          <a:lnRef idx="2">
-            <a:schemeClr val="accent1">
-              <a:shade val="50000"/>
-            </a:schemeClr>
-          </a:lnRef>
-          <a:fillRef idx="1">
-            <a:schemeClr val="accent1"/>
-          </a:fillRef>
-          <a:effectRef idx="0">
-            <a:schemeClr val="accent1"/>
-          </a:effectRef>
-          <a:fontRef idx="minor">
-            <a:schemeClr val="lt1"/>
-          </a:fontRef>
-        </p:style>
-        <p:txBody>
-          <a:bodyPr rtlCol="0" anchor="ctr"/>
-          <a:lstStyle/>
-          <a:p>
-            <a:pPr algn="ctr"/>
-            <a:endParaRPr lang="hu-HU">
-              <a:solidFill>
-                <a:schemeClr val="tx1"/>
-              </a:solidFill>
-            </a:endParaRPr>
-          </a:p>
-        </p:txBody>
-      </p:sp>
-      <p:sp>
-        <p:nvSpPr>
-          <p:cNvPr id="10" name="Nyíl: sávnyíl 9">
-            <a:extLst>
-              <a:ext uri="{FF2B5EF4-FFF2-40B4-BE49-F238E27FC236}">
-                <a16:creationId xmlns:a16="http://schemas.microsoft.com/office/drawing/2014/main" id="{0D7E6E75-7FCF-4451-8E5F-47EF45A0E2DE}"/>
-              </a:ext>
-            </a:extLst>
-          </p:cNvPr>
-          <p:cNvSpPr/>
-          <p:nvPr/>
-        </p:nvSpPr>
-        <p:spPr>
-          <a:xfrm>
-            <a:off x="6307272" y="3220237"/>
-            <a:ext cx="378754" cy="277971"/>
           </a:xfrm>
           <a:prstGeom prst="chevron">
             <a:avLst/>
@@ -20030,8 +19970,20 @@
               <a:buChar char="•"/>
             </a:pPr>
             <a:r>
+              <a:rPr lang="hu-HU" sz="2800"/>
+              <a:t>Jegyre 50-60</a:t>
+            </a:r>
+            <a:r>
               <a:rPr lang="hu-HU" sz="2800" dirty="0"/>
-              <a:t>Jegyre 55-60%, csoportra 80-85%-os pontosság</a:t>
+              <a:t>%, </a:t>
+            </a:r>
+            <a:r>
+              <a:rPr lang="hu-HU" sz="2800"/>
+              <a:t>csoportra 80-90%-</a:t>
+            </a:r>
+            <a:r>
+              <a:rPr lang="hu-HU" sz="2800" dirty="0"/>
+              <a:t>os pontosság</a:t>
             </a:r>
           </a:p>
           <a:p>
@@ -21622,6 +21574,12 @@
 </file>
 
 <file path=customXml/item1.xml><?xml version="1.0" encoding="utf-8"?>
+<p:properties xmlns:p="http://schemas.microsoft.com/office/2006/metadata/properties" xmlns:xsi="http://www.w3.org/2001/XMLSchema-instance" xmlns:pc="http://schemas.microsoft.com/office/infopath/2007/PartnerControls">
+  <documentManagement/>
+</p:properties>
+</file>
+
+<file path=customXml/item2.xml><?xml version="1.0" encoding="utf-8"?>
 <ct:contentTypeSchema xmlns:ct="http://schemas.microsoft.com/office/2006/metadata/contentType" xmlns:ma="http://schemas.microsoft.com/office/2006/metadata/properties/metaAttributes" ct:_="" ma:_="" ma:contentTypeName="Dokumentum" ma:contentTypeID="0x010100E773987F6FCB234CAD7E1038ABAFFC34" ma:contentTypeVersion="12" ma:contentTypeDescription="Új dokumentum létrehozása." ma:contentTypeScope="" ma:versionID="6c0221d54d68b469113230e4d12a3076">
   <xsd:schema xmlns:xsd="http://www.w3.org/2001/XMLSchema" xmlns:xs="http://www.w3.org/2001/XMLSchema" xmlns:p="http://schemas.microsoft.com/office/2006/metadata/properties" xmlns:ns3="0291926e-7f6f-40e6-b2cd-618d734b3849" xmlns:ns4="c337042d-1629-4b4f-b38b-20e2dbf6aed7" targetNamespace="http://schemas.microsoft.com/office/2006/metadata/properties" ma:root="true" ma:fieldsID="0f650a239c9211ace804224dcc7f117d" ns3:_="" ns4:_="">
     <xsd:import namespace="0291926e-7f6f-40e6-b2cd-618d734b3849"/>
@@ -21838,12 +21796,6 @@
 </ct:contentTypeSchema>
 </file>
 
-<file path=customXml/item2.xml><?xml version="1.0" encoding="utf-8"?>
-<p:properties xmlns:p="http://schemas.microsoft.com/office/2006/metadata/properties" xmlns:xsi="http://www.w3.org/2001/XMLSchema-instance" xmlns:pc="http://schemas.microsoft.com/office/infopath/2007/PartnerControls">
-  <documentManagement/>
-</p:properties>
-</file>
-
 <file path=customXml/item3.xml><?xml version="1.0" encoding="utf-8"?>
 <?mso-contentType ?>
 <FormTemplates xmlns="http://schemas.microsoft.com/sharepoint/v3/contenttype/forms">
@@ -21854,6 +21806,23 @@
 </file>
 
 <file path=customXml/itemProps1.xml><?xml version="1.0" encoding="utf-8"?>
+<ds:datastoreItem xmlns:ds="http://schemas.openxmlformats.org/officeDocument/2006/customXml" ds:itemID="{9C219F95-6B43-40D3-B82B-9222DC3D5400}">
+  <ds:schemaRefs>
+    <ds:schemaRef ds:uri="c337042d-1629-4b4f-b38b-20e2dbf6aed7"/>
+    <ds:schemaRef ds:uri="http://schemas.microsoft.com/office/2006/documentManagement/types"/>
+    <ds:schemaRef ds:uri="http://purl.org/dc/dcmitype/"/>
+    <ds:schemaRef ds:uri="http://schemas.microsoft.com/office/2006/metadata/properties"/>
+    <ds:schemaRef ds:uri="http://schemas.openxmlformats.org/package/2006/metadata/core-properties"/>
+    <ds:schemaRef ds:uri="http://purl.org/dc/terms/"/>
+    <ds:schemaRef ds:uri="http://schemas.microsoft.com/office/infopath/2007/PartnerControls"/>
+    <ds:schemaRef ds:uri="0291926e-7f6f-40e6-b2cd-618d734b3849"/>
+    <ds:schemaRef ds:uri="http://www.w3.org/XML/1998/namespace"/>
+    <ds:schemaRef ds:uri="http://purl.org/dc/elements/1.1/"/>
+  </ds:schemaRefs>
+</ds:datastoreItem>
+</file>
+
+<file path=customXml/itemProps2.xml><?xml version="1.0" encoding="utf-8"?>
 <ds:datastoreItem xmlns:ds="http://schemas.openxmlformats.org/officeDocument/2006/customXml" ds:itemID="{1DB5A588-68B5-48FC-930C-60E57FAFE17A}">
   <ds:schemaRefs>
     <ds:schemaRef ds:uri="http://schemas.microsoft.com/office/2006/metadata/contentType"/>
@@ -21872,23 +21841,6 @@
 </ds:datastoreItem>
 </file>
 
-<file path=customXml/itemProps2.xml><?xml version="1.0" encoding="utf-8"?>
-<ds:datastoreItem xmlns:ds="http://schemas.openxmlformats.org/officeDocument/2006/customXml" ds:itemID="{9C219F95-6B43-40D3-B82B-9222DC3D5400}">
-  <ds:schemaRefs>
-    <ds:schemaRef ds:uri="c337042d-1629-4b4f-b38b-20e2dbf6aed7"/>
-    <ds:schemaRef ds:uri="http://schemas.microsoft.com/office/2006/documentManagement/types"/>
-    <ds:schemaRef ds:uri="http://purl.org/dc/dcmitype/"/>
-    <ds:schemaRef ds:uri="http://schemas.microsoft.com/office/2006/metadata/properties"/>
-    <ds:schemaRef ds:uri="http://schemas.openxmlformats.org/package/2006/metadata/core-properties"/>
-    <ds:schemaRef ds:uri="http://purl.org/dc/terms/"/>
-    <ds:schemaRef ds:uri="http://schemas.microsoft.com/office/infopath/2007/PartnerControls"/>
-    <ds:schemaRef ds:uri="0291926e-7f6f-40e6-b2cd-618d734b3849"/>
-    <ds:schemaRef ds:uri="http://www.w3.org/XML/1998/namespace"/>
-    <ds:schemaRef ds:uri="http://purl.org/dc/elements/1.1/"/>
-  </ds:schemaRefs>
-</ds:datastoreItem>
-</file>
-
 <file path=customXml/itemProps3.xml><?xml version="1.0" encoding="utf-8"?>
 <ds:datastoreItem xmlns:ds="http://schemas.openxmlformats.org/officeDocument/2006/customXml" ds:itemID="{50840CD4-151D-4EB0-B019-56A60DEADF67}">
   <ds:schemaRefs>
